--- a/figure-assembly/figure-1-components/panel_model_cartoon.pptx
+++ b/figure-assembly/figure-1-components/panel_model_cartoon.pptx
@@ -6,7 +6,8 @@
   </p:sldMasterIdLst>
   <p:sldIdLst>
     <p:sldId id="271" r:id="rId2"/>
-    <p:sldId id="272" r:id="rId3"/>
+    <p:sldId id="273" r:id="rId3"/>
+    <p:sldId id="272" r:id="rId4"/>
   </p:sldIdLst>
   <p:sldSz cx="12192000" cy="6858000"/>
   <p:notesSz cx="6858000" cy="9144000"/>
@@ -260,7 +261,7 @@
           <a:p>
             <a:fld id="{3D0D4C98-D5D6-1C45-B38F-9D83B19E74F8}" type="datetimeFigureOut">
               <a:rPr lang="en-US" smtClean="0"/>
-              <a:t>2019-09-05</a:t>
+              <a:t>2019-10-29</a:t>
             </a:fld>
             <a:endParaRPr lang="en-US"/>
           </a:p>
@@ -458,7 +459,7 @@
           <a:p>
             <a:fld id="{3D0D4C98-D5D6-1C45-B38F-9D83B19E74F8}" type="datetimeFigureOut">
               <a:rPr lang="en-US" smtClean="0"/>
-              <a:t>2019-09-05</a:t>
+              <a:t>2019-10-29</a:t>
             </a:fld>
             <a:endParaRPr lang="en-US"/>
           </a:p>
@@ -666,7 +667,7 @@
           <a:p>
             <a:fld id="{3D0D4C98-D5D6-1C45-B38F-9D83B19E74F8}" type="datetimeFigureOut">
               <a:rPr lang="en-US" smtClean="0"/>
-              <a:t>2019-09-05</a:t>
+              <a:t>2019-10-29</a:t>
             </a:fld>
             <a:endParaRPr lang="en-US"/>
           </a:p>
@@ -864,7 +865,7 @@
           <a:p>
             <a:fld id="{3D0D4C98-D5D6-1C45-B38F-9D83B19E74F8}" type="datetimeFigureOut">
               <a:rPr lang="en-US" smtClean="0"/>
-              <a:t>2019-09-05</a:t>
+              <a:t>2019-10-29</a:t>
             </a:fld>
             <a:endParaRPr lang="en-US"/>
           </a:p>
@@ -1139,7 +1140,7 @@
           <a:p>
             <a:fld id="{3D0D4C98-D5D6-1C45-B38F-9D83B19E74F8}" type="datetimeFigureOut">
               <a:rPr lang="en-US" smtClean="0"/>
-              <a:t>2019-09-05</a:t>
+              <a:t>2019-10-29</a:t>
             </a:fld>
             <a:endParaRPr lang="en-US"/>
           </a:p>
@@ -1404,7 +1405,7 @@
           <a:p>
             <a:fld id="{3D0D4C98-D5D6-1C45-B38F-9D83B19E74F8}" type="datetimeFigureOut">
               <a:rPr lang="en-US" smtClean="0"/>
-              <a:t>2019-09-05</a:t>
+              <a:t>2019-10-29</a:t>
             </a:fld>
             <a:endParaRPr lang="en-US"/>
           </a:p>
@@ -1816,7 +1817,7 @@
           <a:p>
             <a:fld id="{3D0D4C98-D5D6-1C45-B38F-9D83B19E74F8}" type="datetimeFigureOut">
               <a:rPr lang="en-US" smtClean="0"/>
-              <a:t>2019-09-05</a:t>
+              <a:t>2019-10-29</a:t>
             </a:fld>
             <a:endParaRPr lang="en-US"/>
           </a:p>
@@ -1957,7 +1958,7 @@
           <a:p>
             <a:fld id="{3D0D4C98-D5D6-1C45-B38F-9D83B19E74F8}" type="datetimeFigureOut">
               <a:rPr lang="en-US" smtClean="0"/>
-              <a:t>2019-09-05</a:t>
+              <a:t>2019-10-29</a:t>
             </a:fld>
             <a:endParaRPr lang="en-US"/>
           </a:p>
@@ -2070,7 +2071,7 @@
           <a:p>
             <a:fld id="{3D0D4C98-D5D6-1C45-B38F-9D83B19E74F8}" type="datetimeFigureOut">
               <a:rPr lang="en-US" smtClean="0"/>
-              <a:t>2019-09-05</a:t>
+              <a:t>2019-10-29</a:t>
             </a:fld>
             <a:endParaRPr lang="en-US"/>
           </a:p>
@@ -2381,7 +2382,7 @@
           <a:p>
             <a:fld id="{3D0D4C98-D5D6-1C45-B38F-9D83B19E74F8}" type="datetimeFigureOut">
               <a:rPr lang="en-US" smtClean="0"/>
-              <a:t>2019-09-05</a:t>
+              <a:t>2019-10-29</a:t>
             </a:fld>
             <a:endParaRPr lang="en-US"/>
           </a:p>
@@ -2669,7 +2670,7 @@
           <a:p>
             <a:fld id="{3D0D4C98-D5D6-1C45-B38F-9D83B19E74F8}" type="datetimeFigureOut">
               <a:rPr lang="en-US" smtClean="0"/>
-              <a:t>2019-09-05</a:t>
+              <a:t>2019-10-29</a:t>
             </a:fld>
             <a:endParaRPr lang="en-US"/>
           </a:p>
@@ -2910,7 +2911,7 @@
           <a:p>
             <a:fld id="{3D0D4C98-D5D6-1C45-B38F-9D83B19E74F8}" type="datetimeFigureOut">
               <a:rPr lang="en-US" smtClean="0"/>
-              <a:t>2019-09-05</a:t>
+              <a:t>2019-10-29</a:t>
             </a:fld>
             <a:endParaRPr lang="en-US"/>
           </a:p>
@@ -4918,8 +4919,8 @@
             </a:p>
           </p:txBody>
         </p:sp>
-        <mc:AlternateContent xmlns:mc="http://schemas.openxmlformats.org/markup-compatibility/2006">
-          <mc:Choice xmlns:a14="http://schemas.microsoft.com/office/drawing/2010/main" Requires="a14">
+        <mc:AlternateContent xmlns:mc="http://schemas.openxmlformats.org/markup-compatibility/2006" xmlns:a14="http://schemas.microsoft.com/office/drawing/2010/main">
+          <mc:Choice Requires="a14">
             <p:sp>
               <p:nvSpPr>
                 <p:cNvPr id="40" name="ZoneTexte 1">
@@ -5519,7 +5520,7 @@
               </p:txBody>
             </p:sp>
           </mc:Choice>
-          <mc:Fallback>
+          <mc:Fallback xmlns="">
             <p:sp>
               <p:nvSpPr>
                 <p:cNvPr id="40" name="ZoneTexte 1">
@@ -5664,8 +5665,8 @@
             </a:fontRef>
           </p:style>
         </p:cxnSp>
-        <mc:AlternateContent xmlns:mc="http://schemas.openxmlformats.org/markup-compatibility/2006">
-          <mc:Choice xmlns:a14="http://schemas.microsoft.com/office/drawing/2010/main" Requires="a14">
+        <mc:AlternateContent xmlns:mc="http://schemas.openxmlformats.org/markup-compatibility/2006" xmlns:a14="http://schemas.microsoft.com/office/drawing/2010/main">
+          <mc:Choice Requires="a14">
             <p:sp>
               <p:nvSpPr>
                 <p:cNvPr id="63" name="Rectangle 62">
@@ -5766,7 +5767,7 @@
               </p:txBody>
             </p:sp>
           </mc:Choice>
-          <mc:Fallback>
+          <mc:Fallback xmlns="">
             <p:sp>
               <p:nvSpPr>
                 <p:cNvPr id="63" name="Rectangle 62">
@@ -5811,8 +5812,8 @@
             </p:sp>
           </mc:Fallback>
         </mc:AlternateContent>
-        <mc:AlternateContent xmlns:mc="http://schemas.openxmlformats.org/markup-compatibility/2006">
-          <mc:Choice xmlns:a14="http://schemas.microsoft.com/office/drawing/2010/main" Requires="a14">
+        <mc:AlternateContent xmlns:mc="http://schemas.openxmlformats.org/markup-compatibility/2006" xmlns:a14="http://schemas.microsoft.com/office/drawing/2010/main">
+          <mc:Choice Requires="a14">
             <p:sp>
               <p:nvSpPr>
                 <p:cNvPr id="64" name="Rectangle 63">
@@ -5869,7 +5870,7 @@
               </p:txBody>
             </p:sp>
           </mc:Choice>
-          <mc:Fallback>
+          <mc:Fallback xmlns="">
             <p:sp>
               <p:nvSpPr>
                 <p:cNvPr id="64" name="Rectangle 63">
@@ -6006,8 +6007,8 @@
             </a:fontRef>
           </p:style>
         </p:cxnSp>
-        <mc:AlternateContent xmlns:mc="http://schemas.openxmlformats.org/markup-compatibility/2006">
-          <mc:Choice xmlns:a14="http://schemas.microsoft.com/office/drawing/2010/main" Requires="a14">
+        <mc:AlternateContent xmlns:mc="http://schemas.openxmlformats.org/markup-compatibility/2006" xmlns:a14="http://schemas.microsoft.com/office/drawing/2010/main">
+          <mc:Choice Requires="a14">
             <p:sp>
               <p:nvSpPr>
                 <p:cNvPr id="76" name="Rectangle 75">
@@ -6067,7 +6068,7 @@
               </p:txBody>
             </p:sp>
           </mc:Choice>
-          <mc:Fallback>
+          <mc:Fallback xmlns="">
             <p:sp>
               <p:nvSpPr>
                 <p:cNvPr id="76" name="Rectangle 75">
@@ -6112,8 +6113,8 @@
             </p:sp>
           </mc:Fallback>
         </mc:AlternateContent>
-        <mc:AlternateContent xmlns:mc="http://schemas.openxmlformats.org/markup-compatibility/2006">
-          <mc:Choice xmlns:a14="http://schemas.microsoft.com/office/drawing/2010/main" Requires="a14">
+        <mc:AlternateContent xmlns:mc="http://schemas.openxmlformats.org/markup-compatibility/2006" xmlns:a14="http://schemas.microsoft.com/office/drawing/2010/main">
+          <mc:Choice Requires="a14">
             <p:sp>
               <p:nvSpPr>
                 <p:cNvPr id="77" name="Rectangle 76">
@@ -6187,7 +6188,7 @@
               </p:txBody>
             </p:sp>
           </mc:Choice>
-          <mc:Fallback>
+          <mc:Fallback xmlns="">
             <p:sp>
               <p:nvSpPr>
                 <p:cNvPr id="77" name="Rectangle 76">
@@ -6232,8 +6233,8 @@
             </p:sp>
           </mc:Fallback>
         </mc:AlternateContent>
-        <mc:AlternateContent xmlns:mc="http://schemas.openxmlformats.org/markup-compatibility/2006">
-          <mc:Choice xmlns:a14="http://schemas.microsoft.com/office/drawing/2010/main" Requires="a14">
+        <mc:AlternateContent xmlns:mc="http://schemas.openxmlformats.org/markup-compatibility/2006" xmlns:a14="http://schemas.microsoft.com/office/drawing/2010/main">
+          <mc:Choice Requires="a14">
             <p:sp>
               <p:nvSpPr>
                 <p:cNvPr id="78" name="Rectangle 77">
@@ -6295,7 +6296,7 @@
               </p:txBody>
             </p:sp>
           </mc:Choice>
-          <mc:Fallback>
+          <mc:Fallback xmlns="">
             <p:sp>
               <p:nvSpPr>
                 <p:cNvPr id="78" name="Rectangle 77">
@@ -6340,8 +6341,8 @@
             </p:sp>
           </mc:Fallback>
         </mc:AlternateContent>
-        <mc:AlternateContent xmlns:mc="http://schemas.openxmlformats.org/markup-compatibility/2006">
-          <mc:Choice xmlns:a14="http://schemas.microsoft.com/office/drawing/2010/main" Requires="a14">
+        <mc:AlternateContent xmlns:mc="http://schemas.openxmlformats.org/markup-compatibility/2006" xmlns:a14="http://schemas.microsoft.com/office/drawing/2010/main">
+          <mc:Choice Requires="a14">
             <p:sp>
               <p:nvSpPr>
                 <p:cNvPr id="79" name="Rectangle 78">
@@ -6415,7 +6416,7 @@
               </p:txBody>
             </p:sp>
           </mc:Choice>
-          <mc:Fallback>
+          <mc:Fallback xmlns="">
             <p:sp>
               <p:nvSpPr>
                 <p:cNvPr id="79" name="Rectangle 78">
@@ -6460,8 +6461,8 @@
             </p:sp>
           </mc:Fallback>
         </mc:AlternateContent>
-        <mc:AlternateContent xmlns:mc="http://schemas.openxmlformats.org/markup-compatibility/2006">
-          <mc:Choice xmlns:a14="http://schemas.microsoft.com/office/drawing/2010/main" Requires="a14">
+        <mc:AlternateContent xmlns:mc="http://schemas.openxmlformats.org/markup-compatibility/2006" xmlns:a14="http://schemas.microsoft.com/office/drawing/2010/main">
+          <mc:Choice Requires="a14">
             <p:sp>
               <p:nvSpPr>
                 <p:cNvPr id="80" name="Rectangle 79">
@@ -6535,7 +6536,7 @@
               </p:txBody>
             </p:sp>
           </mc:Choice>
-          <mc:Fallback>
+          <mc:Fallback xmlns="">
             <p:sp>
               <p:nvSpPr>
                 <p:cNvPr id="80" name="Rectangle 79">
@@ -6683,6 +6684,2686 @@
 </file>
 
 <file path=ppt/slides/slide2.xml><?xml version="1.0" encoding="utf-8"?>
+<p:sld xmlns:a="http://schemas.openxmlformats.org/drawingml/2006/main" xmlns:r="http://schemas.openxmlformats.org/officeDocument/2006/relationships" xmlns:p="http://schemas.openxmlformats.org/presentationml/2006/main">
+  <p:cSld>
+    <p:spTree>
+      <p:nvGrpSpPr>
+        <p:cNvPr id="1" name=""/>
+        <p:cNvGrpSpPr/>
+        <p:nvPr/>
+      </p:nvGrpSpPr>
+      <p:grpSpPr>
+        <a:xfrm>
+          <a:off x="0" y="0"/>
+          <a:ext cx="0" cy="0"/>
+          <a:chOff x="0" y="0"/>
+          <a:chExt cx="0" cy="0"/>
+        </a:xfrm>
+      </p:grpSpPr>
+      <mc:AlternateContent xmlns:mc="http://schemas.openxmlformats.org/markup-compatibility/2006">
+        <mc:Choice xmlns:a14="http://schemas.microsoft.com/office/drawing/2010/main" Requires="a14">
+          <p:sp>
+            <p:nvSpPr>
+              <p:cNvPr id="4" name="Rounded Rectangle 3">
+                <a:extLst>
+                  <a:ext uri="{FF2B5EF4-FFF2-40B4-BE49-F238E27FC236}">
+                    <a16:creationId xmlns:a16="http://schemas.microsoft.com/office/drawing/2014/main" id="{1D4D15A2-420A-C446-9027-E34A83CEB439}"/>
+                  </a:ext>
+                </a:extLst>
+              </p:cNvPr>
+              <p:cNvSpPr/>
+              <p:nvPr/>
+            </p:nvSpPr>
+            <p:spPr>
+              <a:xfrm>
+                <a:off x="2186607" y="997044"/>
+                <a:ext cx="942126" cy="821635"/>
+              </a:xfrm>
+              <a:prstGeom prst="roundRect">
+                <a:avLst/>
+              </a:prstGeom>
+              <a:solidFill>
+                <a:srgbClr val="FFFFFF"/>
+              </a:solidFill>
+              <a:ln w="28575" cmpd="sng">
+                <a:solidFill>
+                  <a:srgbClr val="800000"/>
+                </a:solidFill>
+              </a:ln>
+            </p:spPr>
+            <p:style>
+              <a:lnRef idx="1">
+                <a:schemeClr val="accent1"/>
+              </a:lnRef>
+              <a:fillRef idx="3">
+                <a:schemeClr val="accent1"/>
+              </a:fillRef>
+              <a:effectRef idx="2">
+                <a:schemeClr val="accent1"/>
+              </a:effectRef>
+              <a:fontRef idx="minor">
+                <a:schemeClr val="lt1"/>
+              </a:fontRef>
+            </p:style>
+            <p:txBody>
+              <a:bodyPr rtlCol="0" anchor="ctr"/>
+              <a:lstStyle/>
+              <a:p>
+                <a:pPr lvl="0" algn="ctr"/>
+                <a14:m>
+                  <m:oMathPara xmlns:m="http://schemas.openxmlformats.org/officeDocument/2006/math">
+                    <m:oMathParaPr>
+                      <m:jc m:val="centerGroup"/>
+                    </m:oMathParaPr>
+                    <m:oMath xmlns:m="http://schemas.openxmlformats.org/officeDocument/2006/math">
+                      <m:sSub>
+                        <m:sSubPr>
+                          <m:ctrlPr>
+                            <a:rPr lang="en-GB" sz="1600" b="1" i="1">
+                              <a:latin typeface="Cambria Math" panose="02040503050406030204" pitchFamily="18" charset="0"/>
+                              <a:ea typeface="Cambria Math" panose="02040503050406030204" pitchFamily="18" charset="0"/>
+                            </a:rPr>
+                          </m:ctrlPr>
+                        </m:sSubPr>
+                        <m:e>
+                          <m:r>
+                            <a:rPr lang="en-GB" sz="1600" b="0" i="1" smtClean="0">
+                              <a:solidFill>
+                                <a:schemeClr val="tx1"/>
+                              </a:solidFill>
+                              <a:latin typeface="Cambria Math" panose="02040503050406030204" pitchFamily="18" charset="0"/>
+                              <a:ea typeface="Cambria Math" panose="02040503050406030204" pitchFamily="18" charset="0"/>
+                            </a:rPr>
+                            <m:t>𝑓</m:t>
+                          </m:r>
+                        </m:e>
+                        <m:sub>
+                          <m:r>
+                            <a:rPr lang="en-GB" sz="1600" b="0" i="1">
+                              <a:solidFill>
+                                <a:srgbClr val="AB7942"/>
+                              </a:solidFill>
+                              <a:latin typeface="Cambria Math" panose="02040503050406030204" pitchFamily="18" charset="0"/>
+                              <a:ea typeface="Cambria Math" panose="02040503050406030204" pitchFamily="18" charset="0"/>
+                            </a:rPr>
+                            <m:t>𝑄</m:t>
+                          </m:r>
+                        </m:sub>
+                      </m:sSub>
+                    </m:oMath>
+                  </m:oMathPara>
+                </a14:m>
+                <a:endParaRPr kumimoji="0" lang="en-US" sz="1600" b="0" i="0" u="none" strike="noStrike" kern="1200" cap="none" spc="0" normalizeH="0" baseline="-25000" noProof="0" dirty="0">
+                  <a:ln>
+                    <a:noFill/>
+                  </a:ln>
+                  <a:solidFill>
+                    <a:prstClr val="black"/>
+                  </a:solidFill>
+                  <a:effectLst/>
+                  <a:uLnTx/>
+                  <a:uFillTx/>
+                  <a:latin typeface="Arial" panose="020B0604020202020204" pitchFamily="34" charset="0"/>
+                  <a:ea typeface="+mn-ea"/>
+                  <a:cs typeface="Arial" panose="020B0604020202020204" pitchFamily="34" charset="0"/>
+                </a:endParaRPr>
+              </a:p>
+            </p:txBody>
+          </p:sp>
+        </mc:Choice>
+        <mc:Fallback>
+          <p:sp>
+            <p:nvSpPr>
+              <p:cNvPr id="4" name="Rounded Rectangle 3">
+                <a:extLst>
+                  <a:ext uri="{FF2B5EF4-FFF2-40B4-BE49-F238E27FC236}">
+                    <a16:creationId xmlns:a16="http://schemas.microsoft.com/office/drawing/2014/main" id="{1D4D15A2-420A-C446-9027-E34A83CEB439}"/>
+                  </a:ext>
+                </a:extLst>
+              </p:cNvPr>
+              <p:cNvSpPr>
+                <a:spLocks noRot="1" noChangeAspect="1" noMove="1" noResize="1" noEditPoints="1" noAdjustHandles="1" noChangeArrowheads="1" noChangeShapeType="1" noTextEdit="1"/>
+              </p:cNvSpPr>
+              <p:nvPr/>
+            </p:nvSpPr>
+            <p:spPr>
+              <a:xfrm>
+                <a:off x="2186607" y="997044"/>
+                <a:ext cx="942126" cy="821635"/>
+              </a:xfrm>
+              <a:prstGeom prst="roundRect">
+                <a:avLst/>
+              </a:prstGeom>
+              <a:blipFill>
+                <a:blip r:embed="rId2"/>
+                <a:stretch>
+                  <a:fillRect/>
+                </a:stretch>
+              </a:blipFill>
+              <a:ln w="28575" cmpd="sng">
+                <a:solidFill>
+                  <a:srgbClr val="800000"/>
+                </a:solidFill>
+              </a:ln>
+            </p:spPr>
+            <p:txBody>
+              <a:bodyPr/>
+              <a:lstStyle/>
+              <a:p>
+                <a:r>
+                  <a:rPr lang="en-US">
+                    <a:noFill/>
+                  </a:rPr>
+                  <a:t> </a:t>
+                </a:r>
+              </a:p>
+            </p:txBody>
+          </p:sp>
+        </mc:Fallback>
+      </mc:AlternateContent>
+      <mc:AlternateContent xmlns:mc="http://schemas.openxmlformats.org/markup-compatibility/2006">
+        <mc:Choice xmlns:a14="http://schemas.microsoft.com/office/drawing/2010/main" Requires="a14">
+          <p:sp>
+            <p:nvSpPr>
+              <p:cNvPr id="10" name="Rounded Rectangle 9">
+                <a:extLst>
+                  <a:ext uri="{FF2B5EF4-FFF2-40B4-BE49-F238E27FC236}">
+                    <a16:creationId xmlns:a16="http://schemas.microsoft.com/office/drawing/2014/main" id="{DE90D1B4-0084-F844-9427-BE684323917F}"/>
+                  </a:ext>
+                </a:extLst>
+              </p:cNvPr>
+              <p:cNvSpPr/>
+              <p:nvPr/>
+            </p:nvSpPr>
+            <p:spPr>
+              <a:xfrm>
+                <a:off x="2186607" y="2300509"/>
+                <a:ext cx="951094" cy="1298744"/>
+              </a:xfrm>
+              <a:prstGeom prst="roundRect">
+                <a:avLst/>
+              </a:prstGeom>
+              <a:noFill/>
+              <a:ln w="28575" cmpd="sng">
+                <a:solidFill>
+                  <a:schemeClr val="accent3"/>
+                </a:solidFill>
+                <a:prstDash val="sysDash"/>
+              </a:ln>
+            </p:spPr>
+            <p:style>
+              <a:lnRef idx="1">
+                <a:schemeClr val="accent1"/>
+              </a:lnRef>
+              <a:fillRef idx="3">
+                <a:schemeClr val="accent1"/>
+              </a:fillRef>
+              <a:effectRef idx="2">
+                <a:schemeClr val="accent1"/>
+              </a:effectRef>
+              <a:fontRef idx="minor">
+                <a:schemeClr val="lt1"/>
+              </a:fontRef>
+            </p:style>
+            <p:txBody>
+              <a:bodyPr rtlCol="0" anchor="ctr"/>
+              <a:lstStyle/>
+              <a:p>
+                <a:pPr algn="ctr"/>
+                <a14:m>
+                  <m:oMathPara xmlns:m="http://schemas.openxmlformats.org/officeDocument/2006/math">
+                    <m:oMathParaPr>
+                      <m:jc m:val="centerGroup"/>
+                    </m:oMathParaPr>
+                    <m:oMath xmlns:m="http://schemas.openxmlformats.org/officeDocument/2006/math">
+                      <m:r>
+                        <a:rPr lang="en-US" sz="1000" b="0" i="1" smtClean="0">
+                          <a:solidFill>
+                            <a:schemeClr val="tx1"/>
+                          </a:solidFill>
+                          <a:latin typeface="Cambria Math" panose="02040503050406030204" pitchFamily="18" charset="0"/>
+                          <a:ea typeface="Cambria Math" panose="02040503050406030204" pitchFamily="18" charset="0"/>
+                        </a:rPr>
+                        <m:t>1</m:t>
+                      </m:r>
+                    </m:oMath>
+                  </m:oMathPara>
+                </a14:m>
+                <a:endParaRPr lang="en-US" sz="1000" b="0" i="1" dirty="0" smtClean="0">
+                  <a:solidFill>
+                    <a:schemeClr val="tx1"/>
+                  </a:solidFill>
+                  <a:latin typeface="Cambria Math" panose="02040503050406030204" pitchFamily="18" charset="0"/>
+                  <a:ea typeface="Cambria Math" panose="02040503050406030204" pitchFamily="18" charset="0"/>
+                </a:endParaRPr>
+              </a:p>
+              <a:p>
+                <a:pPr algn="ctr"/>
+                <a14:m>
+                  <m:oMathPara xmlns:m="http://schemas.openxmlformats.org/officeDocument/2006/math">
+                    <m:oMathParaPr>
+                      <m:jc m:val="centerGroup"/>
+                    </m:oMathParaPr>
+                    <m:oMath xmlns:m="http://schemas.openxmlformats.org/officeDocument/2006/math">
+                      <m:r>
+                        <a:rPr lang="en-US" sz="1000" b="0" i="1" smtClean="0">
+                          <a:solidFill>
+                            <a:schemeClr val="tx1"/>
+                          </a:solidFill>
+                          <a:latin typeface="Cambria Math" panose="02040503050406030204" pitchFamily="18" charset="0"/>
+                          <a:ea typeface="Cambria Math" panose="02040503050406030204" pitchFamily="18" charset="0"/>
+                        </a:rPr>
+                        <m:t>−</m:t>
+                      </m:r>
+                      <m:sSub>
+                        <m:sSubPr>
+                          <m:ctrlPr>
+                            <a:rPr lang="en-GB" sz="1000" b="1" i="1">
+                              <a:latin typeface="Cambria Math" panose="02040503050406030204" pitchFamily="18" charset="0"/>
+                              <a:ea typeface="Cambria Math" panose="02040503050406030204" pitchFamily="18" charset="0"/>
+                            </a:rPr>
+                          </m:ctrlPr>
+                        </m:sSubPr>
+                        <m:e>
+                          <m:r>
+                            <a:rPr lang="en-GB" sz="1000" i="1">
+                              <a:solidFill>
+                                <a:schemeClr val="tx1"/>
+                              </a:solidFill>
+                              <a:latin typeface="Cambria Math" panose="02040503050406030204" pitchFamily="18" charset="0"/>
+                              <a:ea typeface="Cambria Math" panose="02040503050406030204" pitchFamily="18" charset="0"/>
+                            </a:rPr>
+                            <m:t>𝑓</m:t>
+                          </m:r>
+                        </m:e>
+                        <m:sub>
+                          <m:r>
+                            <a:rPr lang="en-GB" sz="1000" i="1">
+                              <a:solidFill>
+                                <a:srgbClr val="AB7942"/>
+                              </a:solidFill>
+                              <a:latin typeface="Cambria Math" panose="02040503050406030204" pitchFamily="18" charset="0"/>
+                              <a:ea typeface="Cambria Math" panose="02040503050406030204" pitchFamily="18" charset="0"/>
+                            </a:rPr>
+                            <m:t>𝑄</m:t>
+                          </m:r>
+                        </m:sub>
+                      </m:sSub>
+                    </m:oMath>
+                  </m:oMathPara>
+                </a14:m>
+                <a:endParaRPr lang="en-US" sz="1000" b="1" i="1" dirty="0" smtClean="0">
+                  <a:solidFill>
+                    <a:srgbClr val="AB7942"/>
+                  </a:solidFill>
+                  <a:latin typeface="Cambria Math" panose="02040503050406030204" pitchFamily="18" charset="0"/>
+                  <a:ea typeface="Cambria Math" panose="02040503050406030204" pitchFamily="18" charset="0"/>
+                </a:endParaRPr>
+              </a:p>
+              <a:p>
+                <a:pPr algn="ctr"/>
+                <a14:m>
+                  <m:oMathPara xmlns:m="http://schemas.openxmlformats.org/officeDocument/2006/math">
+                    <m:oMathParaPr>
+                      <m:jc m:val="centerGroup"/>
+                    </m:oMathParaPr>
+                    <m:oMath xmlns:m="http://schemas.openxmlformats.org/officeDocument/2006/math">
+                      <m:r>
+                        <a:rPr lang="en-US" sz="1000" b="0" i="1" smtClean="0">
+                          <a:solidFill>
+                            <a:schemeClr val="tx1"/>
+                          </a:solidFill>
+                          <a:latin typeface="Cambria Math" panose="02040503050406030204" pitchFamily="18" charset="0"/>
+                          <a:ea typeface="Cambria Math" panose="02040503050406030204" pitchFamily="18" charset="0"/>
+                        </a:rPr>
+                        <m:t>−</m:t>
+                      </m:r>
+                      <m:sSub>
+                        <m:sSubPr>
+                          <m:ctrlPr>
+                            <a:rPr lang="en-GB" sz="1000" b="1" i="1">
+                              <a:latin typeface="Cambria Math" panose="02040503050406030204" pitchFamily="18" charset="0"/>
+                              <a:ea typeface="Cambria Math" panose="02040503050406030204" pitchFamily="18" charset="0"/>
+                            </a:rPr>
+                          </m:ctrlPr>
+                        </m:sSubPr>
+                        <m:e>
+                          <m:r>
+                            <a:rPr lang="en-GB" sz="1000" i="1">
+                              <a:solidFill>
+                                <a:schemeClr val="tx1"/>
+                              </a:solidFill>
+                              <a:latin typeface="Cambria Math" panose="02040503050406030204" pitchFamily="18" charset="0"/>
+                              <a:ea typeface="Cambria Math" panose="02040503050406030204" pitchFamily="18" charset="0"/>
+                            </a:rPr>
+                            <m:t>𝑓</m:t>
+                          </m:r>
+                        </m:e>
+                        <m:sub>
+                          <m:r>
+                            <a:rPr lang="en-US" sz="1000" b="0" i="1" smtClean="0">
+                              <a:solidFill>
+                                <a:srgbClr val="A5A5A5"/>
+                              </a:solidFill>
+                              <a:latin typeface="Cambria Math" panose="02040503050406030204" pitchFamily="18" charset="0"/>
+                              <a:ea typeface="Cambria Math" panose="02040503050406030204" pitchFamily="18" charset="0"/>
+                            </a:rPr>
+                            <m:t>𝑈</m:t>
+                          </m:r>
+                        </m:sub>
+                      </m:sSub>
+                    </m:oMath>
+                  </m:oMathPara>
+                </a14:m>
+                <a:endParaRPr lang="en-US" sz="1000" b="1" i="1" dirty="0" smtClean="0">
+                  <a:solidFill>
+                    <a:srgbClr val="AB7942"/>
+                  </a:solidFill>
+                  <a:latin typeface="Cambria Math" panose="02040503050406030204" pitchFamily="18" charset="0"/>
+                  <a:ea typeface="Cambria Math" panose="02040503050406030204" pitchFamily="18" charset="0"/>
+                </a:endParaRPr>
+              </a:p>
+              <a:p>
+                <a:pPr algn="ctr"/>
+                <a14:m>
+                  <m:oMathPara xmlns:m="http://schemas.openxmlformats.org/officeDocument/2006/math">
+                    <m:oMathParaPr>
+                      <m:jc m:val="centerGroup"/>
+                    </m:oMathParaPr>
+                    <m:oMath xmlns:m="http://schemas.openxmlformats.org/officeDocument/2006/math">
+                      <m:r>
+                        <a:rPr lang="en-US" sz="1000" i="1">
+                          <a:solidFill>
+                            <a:schemeClr val="tx1"/>
+                          </a:solidFill>
+                          <a:latin typeface="Cambria Math" panose="02040503050406030204" pitchFamily="18" charset="0"/>
+                          <a:ea typeface="Cambria Math" panose="02040503050406030204" pitchFamily="18" charset="0"/>
+                        </a:rPr>
+                        <m:t>−</m:t>
+                      </m:r>
+                      <m:sSub>
+                        <m:sSubPr>
+                          <m:ctrlPr>
+                            <a:rPr lang="en-GB" sz="1000" i="1">
+                              <a:latin typeface="Cambria Math" panose="02040503050406030204" pitchFamily="18" charset="0"/>
+                              <a:ea typeface="Cambria Math" panose="02040503050406030204" pitchFamily="18" charset="0"/>
+                            </a:rPr>
+                          </m:ctrlPr>
+                        </m:sSubPr>
+                        <m:e>
+                          <m:r>
+                            <a:rPr lang="en-GB" sz="1000" i="1">
+                              <a:solidFill>
+                                <a:schemeClr val="tx1"/>
+                              </a:solidFill>
+                              <a:latin typeface="Cambria Math" panose="02040503050406030204" pitchFamily="18" charset="0"/>
+                              <a:ea typeface="Cambria Math" panose="02040503050406030204" pitchFamily="18" charset="0"/>
+                            </a:rPr>
+                            <m:t>𝑓</m:t>
+                          </m:r>
+                        </m:e>
+                        <m:sub>
+                          <m:r>
+                            <a:rPr lang="en-GB" sz="1000" i="1">
+                              <a:solidFill>
+                                <a:srgbClr val="FF0000"/>
+                              </a:solidFill>
+                              <a:latin typeface="Cambria Math" panose="02040503050406030204" pitchFamily="18" charset="0"/>
+                              <a:ea typeface="Cambria Math" panose="02040503050406030204" pitchFamily="18" charset="0"/>
+                            </a:rPr>
+                            <m:t>𝑋</m:t>
+                          </m:r>
+                        </m:sub>
+                      </m:sSub>
+                    </m:oMath>
+                  </m:oMathPara>
+                </a14:m>
+                <a:endParaRPr lang="en-US" sz="1000" i="1" dirty="0" smtClean="0">
+                  <a:solidFill>
+                    <a:srgbClr val="FF0000"/>
+                  </a:solidFill>
+                  <a:latin typeface="Cambria Math" panose="02040503050406030204" pitchFamily="18" charset="0"/>
+                  <a:ea typeface="Cambria Math" panose="02040503050406030204" pitchFamily="18" charset="0"/>
+                </a:endParaRPr>
+              </a:p>
+              <a:p>
+                <a:pPr algn="ctr"/>
+                <a14:m>
+                  <m:oMathPara xmlns:m="http://schemas.openxmlformats.org/officeDocument/2006/math">
+                    <m:oMathParaPr>
+                      <m:jc m:val="centerGroup"/>
+                    </m:oMathParaPr>
+                    <m:oMath xmlns:m="http://schemas.openxmlformats.org/officeDocument/2006/math">
+                      <m:r>
+                        <a:rPr lang="en-GB" sz="1000" i="1" smtClean="0">
+                          <a:solidFill>
+                            <a:schemeClr val="tx1"/>
+                          </a:solidFill>
+                          <a:latin typeface="Cambria Math" panose="02040503050406030204" pitchFamily="18" charset="0"/>
+                          <a:ea typeface="Cambria Math" panose="02040503050406030204" pitchFamily="18" charset="0"/>
+                        </a:rPr>
+                        <m:t>~</m:t>
+                      </m:r>
+                    </m:oMath>
+                  </m:oMathPara>
+                </a14:m>
+                <a:endParaRPr lang="en-US" sz="1000" i="1" dirty="0" smtClean="0">
+                  <a:solidFill>
+                    <a:schemeClr val="tx1"/>
+                  </a:solidFill>
+                  <a:latin typeface="Cambria Math" panose="02040503050406030204" pitchFamily="18" charset="0"/>
+                  <a:ea typeface="Cambria Math" panose="02040503050406030204" pitchFamily="18" charset="0"/>
+                </a:endParaRPr>
+              </a:p>
+              <a:p>
+                <a:pPr algn="ctr"/>
+                <a14:m>
+                  <m:oMathPara xmlns:m="http://schemas.openxmlformats.org/officeDocument/2006/math">
+                    <m:oMathParaPr>
+                      <m:jc m:val="centerGroup"/>
+                    </m:oMathParaPr>
+                    <m:oMath xmlns:m="http://schemas.openxmlformats.org/officeDocument/2006/math">
+                      <m:r>
+                        <a:rPr lang="en-US" sz="1000" i="1">
+                          <a:solidFill>
+                            <a:schemeClr val="tx1"/>
+                          </a:solidFill>
+                          <a:latin typeface="Cambria Math" panose="02040503050406030204" pitchFamily="18" charset="0"/>
+                          <a:ea typeface="Cambria Math" panose="02040503050406030204" pitchFamily="18" charset="0"/>
+                        </a:rPr>
+                        <m:t>1−</m:t>
+                      </m:r>
+                      <m:sSub>
+                        <m:sSubPr>
+                          <m:ctrlPr>
+                            <a:rPr lang="en-GB" sz="1000" b="1" i="1">
+                              <a:latin typeface="Cambria Math" panose="02040503050406030204" pitchFamily="18" charset="0"/>
+                              <a:ea typeface="Cambria Math" panose="02040503050406030204" pitchFamily="18" charset="0"/>
+                            </a:rPr>
+                          </m:ctrlPr>
+                        </m:sSubPr>
+                        <m:e>
+                          <m:r>
+                            <a:rPr lang="en-GB" sz="1000" i="1">
+                              <a:solidFill>
+                                <a:schemeClr val="tx1"/>
+                              </a:solidFill>
+                              <a:latin typeface="Cambria Math" panose="02040503050406030204" pitchFamily="18" charset="0"/>
+                              <a:ea typeface="Cambria Math" panose="02040503050406030204" pitchFamily="18" charset="0"/>
+                            </a:rPr>
+                            <m:t>𝑓</m:t>
+                          </m:r>
+                        </m:e>
+                        <m:sub>
+                          <m:r>
+                            <a:rPr lang="en-GB" sz="1000" i="1">
+                              <a:solidFill>
+                                <a:srgbClr val="AB7942"/>
+                              </a:solidFill>
+                              <a:latin typeface="Cambria Math" panose="02040503050406030204" pitchFamily="18" charset="0"/>
+                              <a:ea typeface="Cambria Math" panose="02040503050406030204" pitchFamily="18" charset="0"/>
+                            </a:rPr>
+                            <m:t>𝑄</m:t>
+                          </m:r>
+                        </m:sub>
+                      </m:sSub>
+                      <m:r>
+                        <a:rPr lang="en-US" sz="1000" i="1">
+                          <a:solidFill>
+                            <a:schemeClr val="tx1"/>
+                          </a:solidFill>
+                          <a:latin typeface="Cambria Math" panose="02040503050406030204" pitchFamily="18" charset="0"/>
+                          <a:ea typeface="Cambria Math" panose="02040503050406030204" pitchFamily="18" charset="0"/>
+                        </a:rPr>
+                        <m:t>−</m:t>
+                      </m:r>
+                      <m:sSub>
+                        <m:sSubPr>
+                          <m:ctrlPr>
+                            <a:rPr lang="en-GB" sz="1000" b="1" i="1">
+                              <a:latin typeface="Cambria Math" panose="02040503050406030204" pitchFamily="18" charset="0"/>
+                              <a:ea typeface="Cambria Math" panose="02040503050406030204" pitchFamily="18" charset="0"/>
+                            </a:rPr>
+                          </m:ctrlPr>
+                        </m:sSubPr>
+                        <m:e>
+                          <m:r>
+                            <a:rPr lang="en-GB" sz="1000" i="1">
+                              <a:solidFill>
+                                <a:schemeClr val="tx1"/>
+                              </a:solidFill>
+                              <a:latin typeface="Cambria Math" panose="02040503050406030204" pitchFamily="18" charset="0"/>
+                              <a:ea typeface="Cambria Math" panose="02040503050406030204" pitchFamily="18" charset="0"/>
+                            </a:rPr>
+                            <m:t>𝑓</m:t>
+                          </m:r>
+                        </m:e>
+                        <m:sub>
+                          <m:r>
+                            <a:rPr lang="en-US" sz="1000" i="1">
+                              <a:solidFill>
+                                <a:srgbClr val="A5A5A5"/>
+                              </a:solidFill>
+                              <a:latin typeface="Cambria Math" panose="02040503050406030204" pitchFamily="18" charset="0"/>
+                              <a:ea typeface="Cambria Math" panose="02040503050406030204" pitchFamily="18" charset="0"/>
+                            </a:rPr>
+                            <m:t>𝑈</m:t>
+                          </m:r>
+                        </m:sub>
+                      </m:sSub>
+                    </m:oMath>
+                  </m:oMathPara>
+                </a14:m>
+                <a:endParaRPr lang="en-US" sz="1000" dirty="0">
+                  <a:solidFill>
+                    <a:prstClr val="black"/>
+                  </a:solidFill>
+                  <a:latin typeface="Arial" panose="020B0604020202020204" pitchFamily="34" charset="0"/>
+                  <a:cs typeface="Arial" panose="020B0604020202020204" pitchFamily="34" charset="0"/>
+                </a:endParaRPr>
+              </a:p>
+            </p:txBody>
+          </p:sp>
+        </mc:Choice>
+        <mc:Fallback>
+          <p:sp>
+            <p:nvSpPr>
+              <p:cNvPr id="10" name="Rounded Rectangle 9">
+                <a:extLst>
+                  <a:ext uri="{FF2B5EF4-FFF2-40B4-BE49-F238E27FC236}">
+                    <a16:creationId xmlns:a16="http://schemas.microsoft.com/office/drawing/2014/main" id="{DE90D1B4-0084-F844-9427-BE684323917F}"/>
+                  </a:ext>
+                </a:extLst>
+              </p:cNvPr>
+              <p:cNvSpPr>
+                <a:spLocks noRot="1" noChangeAspect="1" noMove="1" noResize="1" noEditPoints="1" noAdjustHandles="1" noChangeArrowheads="1" noChangeShapeType="1" noTextEdit="1"/>
+              </p:cNvSpPr>
+              <p:nvPr/>
+            </p:nvSpPr>
+            <p:spPr>
+              <a:xfrm>
+                <a:off x="2186607" y="2300509"/>
+                <a:ext cx="951094" cy="1298744"/>
+              </a:xfrm>
+              <a:prstGeom prst="roundRect">
+                <a:avLst/>
+              </a:prstGeom>
+              <a:blipFill>
+                <a:blip r:embed="rId3"/>
+                <a:stretch>
+                  <a:fillRect/>
+                </a:stretch>
+              </a:blipFill>
+              <a:ln w="28575" cmpd="sng">
+                <a:solidFill>
+                  <a:schemeClr val="accent3"/>
+                </a:solidFill>
+                <a:prstDash val="sysDash"/>
+              </a:ln>
+            </p:spPr>
+            <p:txBody>
+              <a:bodyPr/>
+              <a:lstStyle/>
+              <a:p>
+                <a:r>
+                  <a:rPr lang="en-US">
+                    <a:noFill/>
+                  </a:rPr>
+                  <a:t> </a:t>
+                </a:r>
+              </a:p>
+            </p:txBody>
+          </p:sp>
+        </mc:Fallback>
+      </mc:AlternateContent>
+      <mc:AlternateContent xmlns:mc="http://schemas.openxmlformats.org/markup-compatibility/2006">
+        <mc:Choice xmlns:a14="http://schemas.microsoft.com/office/drawing/2010/main" Requires="a14">
+          <p:sp>
+            <p:nvSpPr>
+              <p:cNvPr id="11" name="Rounded Rectangle 10">
+                <a:extLst>
+                  <a:ext uri="{FF2B5EF4-FFF2-40B4-BE49-F238E27FC236}">
+                    <a16:creationId xmlns:a16="http://schemas.microsoft.com/office/drawing/2014/main" id="{43CA05A4-FE26-254D-BE39-C634A5200B4C}"/>
+                  </a:ext>
+                </a:extLst>
+              </p:cNvPr>
+              <p:cNvSpPr/>
+              <p:nvPr/>
+            </p:nvSpPr>
+            <p:spPr>
+              <a:xfrm>
+                <a:off x="2186606" y="3678889"/>
+                <a:ext cx="942127" cy="330271"/>
+              </a:xfrm>
+              <a:prstGeom prst="roundRect">
+                <a:avLst>
+                  <a:gd name="adj" fmla="val 30865"/>
+                </a:avLst>
+              </a:prstGeom>
+              <a:solidFill>
+                <a:srgbClr val="FFFFFF"/>
+              </a:solidFill>
+              <a:ln w="28575" cmpd="sng">
+                <a:solidFill>
+                  <a:srgbClr val="FF0000"/>
+                </a:solidFill>
+              </a:ln>
+            </p:spPr>
+            <p:style>
+              <a:lnRef idx="1">
+                <a:schemeClr val="accent1"/>
+              </a:lnRef>
+              <a:fillRef idx="3">
+                <a:schemeClr val="accent1"/>
+              </a:fillRef>
+              <a:effectRef idx="2">
+                <a:schemeClr val="accent1"/>
+              </a:effectRef>
+              <a:fontRef idx="minor">
+                <a:schemeClr val="lt1"/>
+              </a:fontRef>
+            </p:style>
+            <p:txBody>
+              <a:bodyPr rtlCol="0" anchor="ctr"/>
+              <a:lstStyle/>
+              <a:p>
+                <a:pPr lvl="0" algn="ctr"/>
+                <a14:m>
+                  <m:oMathPara xmlns:m="http://schemas.openxmlformats.org/officeDocument/2006/math">
+                    <m:oMathParaPr>
+                      <m:jc m:val="centerGroup"/>
+                    </m:oMathParaPr>
+                    <m:oMath xmlns:m="http://schemas.openxmlformats.org/officeDocument/2006/math">
+                      <m:sSub>
+                        <m:sSubPr>
+                          <m:ctrlPr>
+                            <a:rPr lang="en-GB" sz="1400" i="1" smtClean="0">
+                              <a:latin typeface="Cambria Math" panose="02040503050406030204" pitchFamily="18" charset="0"/>
+                              <a:ea typeface="Cambria Math" panose="02040503050406030204" pitchFamily="18" charset="0"/>
+                            </a:rPr>
+                          </m:ctrlPr>
+                        </m:sSubPr>
+                        <m:e>
+                          <m:r>
+                            <a:rPr lang="en-GB" sz="1400" b="0" i="1" smtClean="0">
+                              <a:solidFill>
+                                <a:schemeClr val="tx1"/>
+                              </a:solidFill>
+                              <a:latin typeface="Cambria Math" panose="02040503050406030204" pitchFamily="18" charset="0"/>
+                              <a:ea typeface="Cambria Math" panose="02040503050406030204" pitchFamily="18" charset="0"/>
+                            </a:rPr>
+                            <m:t>𝑓</m:t>
+                          </m:r>
+                        </m:e>
+                        <m:sub>
+                          <m:r>
+                            <a:rPr lang="en-GB" sz="1400" b="0" i="1">
+                              <a:solidFill>
+                                <a:srgbClr val="FF0000"/>
+                              </a:solidFill>
+                              <a:latin typeface="Cambria Math" panose="02040503050406030204" pitchFamily="18" charset="0"/>
+                              <a:ea typeface="Cambria Math" panose="02040503050406030204" pitchFamily="18" charset="0"/>
+                            </a:rPr>
+                            <m:t>𝑋</m:t>
+                          </m:r>
+                        </m:sub>
+                      </m:sSub>
+                      <m:r>
+                        <a:rPr lang="en-US" sz="1400" b="0" i="1" smtClean="0">
+                          <a:solidFill>
+                            <a:schemeClr val="tx1"/>
+                          </a:solidFill>
+                          <a:latin typeface="Cambria Math" panose="02040503050406030204" pitchFamily="18" charset="0"/>
+                          <a:ea typeface="Cambria Math" panose="02040503050406030204" pitchFamily="18" charset="0"/>
+                        </a:rPr>
+                        <m:t>≪1</m:t>
+                      </m:r>
+                    </m:oMath>
+                  </m:oMathPara>
+                </a14:m>
+                <a:endParaRPr kumimoji="0" lang="en-US" sz="1400" b="0" i="0" u="none" strike="noStrike" kern="1200" cap="none" spc="0" normalizeH="0" baseline="0" noProof="0" dirty="0">
+                  <a:ln>
+                    <a:noFill/>
+                  </a:ln>
+                  <a:solidFill>
+                    <a:prstClr val="black"/>
+                  </a:solidFill>
+                  <a:effectLst/>
+                  <a:uLnTx/>
+                  <a:uFillTx/>
+                  <a:latin typeface="Arial" panose="020B0604020202020204" pitchFamily="34" charset="0"/>
+                  <a:ea typeface="+mn-ea"/>
+                  <a:cs typeface="Arial" panose="020B0604020202020204" pitchFamily="34" charset="0"/>
+                </a:endParaRPr>
+              </a:p>
+            </p:txBody>
+          </p:sp>
+        </mc:Choice>
+        <mc:Fallback>
+          <p:sp>
+            <p:nvSpPr>
+              <p:cNvPr id="11" name="Rounded Rectangle 10">
+                <a:extLst>
+                  <a:ext uri="{FF2B5EF4-FFF2-40B4-BE49-F238E27FC236}">
+                    <a16:creationId xmlns:a16="http://schemas.microsoft.com/office/drawing/2014/main" id="{43CA05A4-FE26-254D-BE39-C634A5200B4C}"/>
+                  </a:ext>
+                </a:extLst>
+              </p:cNvPr>
+              <p:cNvSpPr>
+                <a:spLocks noRot="1" noChangeAspect="1" noMove="1" noResize="1" noEditPoints="1" noAdjustHandles="1" noChangeArrowheads="1" noChangeShapeType="1" noTextEdit="1"/>
+              </p:cNvSpPr>
+              <p:nvPr/>
+            </p:nvSpPr>
+            <p:spPr>
+              <a:xfrm>
+                <a:off x="2186606" y="3678889"/>
+                <a:ext cx="942127" cy="330271"/>
+              </a:xfrm>
+              <a:prstGeom prst="roundRect">
+                <a:avLst>
+                  <a:gd name="adj" fmla="val 30865"/>
+                </a:avLst>
+              </a:prstGeom>
+              <a:blipFill>
+                <a:blip r:embed="rId4"/>
+                <a:stretch>
+                  <a:fillRect/>
+                </a:stretch>
+              </a:blipFill>
+              <a:ln w="28575" cmpd="sng">
+                <a:solidFill>
+                  <a:srgbClr val="FF0000"/>
+                </a:solidFill>
+              </a:ln>
+            </p:spPr>
+            <p:txBody>
+              <a:bodyPr/>
+              <a:lstStyle/>
+              <a:p>
+                <a:r>
+                  <a:rPr lang="en-US">
+                    <a:noFill/>
+                  </a:rPr>
+                  <a:t> </a:t>
+                </a:r>
+              </a:p>
+            </p:txBody>
+          </p:sp>
+        </mc:Fallback>
+      </mc:AlternateContent>
+      <mc:AlternateContent xmlns:mc="http://schemas.openxmlformats.org/markup-compatibility/2006">
+        <mc:Choice xmlns:a14="http://schemas.microsoft.com/office/drawing/2010/main" Requires="a14">
+          <p:sp>
+            <p:nvSpPr>
+              <p:cNvPr id="12" name="Rounded Rectangle 11">
+                <a:extLst>
+                  <a:ext uri="{FF2B5EF4-FFF2-40B4-BE49-F238E27FC236}">
+                    <a16:creationId xmlns:a16="http://schemas.microsoft.com/office/drawing/2014/main" id="{FBE873B2-88AB-4549-B84A-148E7B2EA626}"/>
+                  </a:ext>
+                </a:extLst>
+              </p:cNvPr>
+              <p:cNvSpPr/>
+              <p:nvPr/>
+            </p:nvSpPr>
+            <p:spPr>
+              <a:xfrm>
+                <a:off x="3248593" y="2291556"/>
+                <a:ext cx="768626" cy="821635"/>
+              </a:xfrm>
+              <a:prstGeom prst="roundRect">
+                <a:avLst/>
+              </a:prstGeom>
+              <a:noFill/>
+              <a:ln w="28575" cmpd="sng">
+                <a:solidFill>
+                  <a:srgbClr val="0000FF"/>
+                </a:solidFill>
+                <a:prstDash val="solid"/>
+              </a:ln>
+            </p:spPr>
+            <p:style>
+              <a:lnRef idx="1">
+                <a:schemeClr val="accent1"/>
+              </a:lnRef>
+              <a:fillRef idx="3">
+                <a:schemeClr val="accent1"/>
+              </a:fillRef>
+              <a:effectRef idx="2">
+                <a:schemeClr val="accent1"/>
+              </a:effectRef>
+              <a:fontRef idx="minor">
+                <a:schemeClr val="lt1"/>
+              </a:fontRef>
+            </p:style>
+            <p:txBody>
+              <a:bodyPr rtlCol="0" anchor="ctr"/>
+              <a:lstStyle/>
+              <a:p>
+                <a:pPr lvl="0" algn="ctr"/>
+                <a14:m>
+                  <m:oMathPara xmlns:m="http://schemas.openxmlformats.org/officeDocument/2006/math">
+                    <m:oMathParaPr>
+                      <m:jc m:val="centerGroup"/>
+                    </m:oMathParaPr>
+                    <m:oMath xmlns:m="http://schemas.openxmlformats.org/officeDocument/2006/math">
+                      <m:sSub>
+                        <m:sSubPr>
+                          <m:ctrlPr>
+                            <a:rPr lang="en-GB" sz="1600" i="1">
+                              <a:latin typeface="Cambria Math" panose="02040503050406030204" pitchFamily="18" charset="0"/>
+                              <a:ea typeface="Cambria Math" panose="02040503050406030204" pitchFamily="18" charset="0"/>
+                            </a:rPr>
+                          </m:ctrlPr>
+                        </m:sSubPr>
+                        <m:e>
+                          <m:r>
+                            <a:rPr lang="en-GB" sz="1600" b="0" i="1" smtClean="0">
+                              <a:solidFill>
+                                <a:schemeClr val="tx1"/>
+                              </a:solidFill>
+                              <a:latin typeface="Cambria Math" panose="02040503050406030204" pitchFamily="18" charset="0"/>
+                              <a:ea typeface="Cambria Math" panose="02040503050406030204" pitchFamily="18" charset="0"/>
+                            </a:rPr>
+                            <m:t>𝑓</m:t>
+                          </m:r>
+                        </m:e>
+                        <m:sub>
+                          <m:r>
+                            <a:rPr lang="en-GB" sz="1600" b="0" i="1">
+                              <a:solidFill>
+                                <a:srgbClr val="0432FF"/>
+                              </a:solidFill>
+                              <a:latin typeface="Cambria Math" panose="02040503050406030204" pitchFamily="18" charset="0"/>
+                              <a:ea typeface="Cambria Math" panose="02040503050406030204" pitchFamily="18" charset="0"/>
+                            </a:rPr>
+                            <m:t>𝑅</m:t>
+                          </m:r>
+                        </m:sub>
+                      </m:sSub>
+                    </m:oMath>
+                  </m:oMathPara>
+                </a14:m>
+                <a:endParaRPr kumimoji="0" lang="en-US" sz="1600" i="0" u="none" strike="noStrike" kern="1200" cap="none" spc="0" normalizeH="0" baseline="-25000" noProof="0" dirty="0">
+                  <a:ln>
+                    <a:noFill/>
+                  </a:ln>
+                  <a:solidFill>
+                    <a:prstClr val="black"/>
+                  </a:solidFill>
+                  <a:effectLst/>
+                  <a:uLnTx/>
+                  <a:uFillTx/>
+                  <a:latin typeface="Arial" panose="020B0604020202020204" pitchFamily="34" charset="0"/>
+                  <a:cs typeface="Arial" panose="020B0604020202020204" pitchFamily="34" charset="0"/>
+                </a:endParaRPr>
+              </a:p>
+            </p:txBody>
+          </p:sp>
+        </mc:Choice>
+        <mc:Fallback>
+          <p:sp>
+            <p:nvSpPr>
+              <p:cNvPr id="12" name="Rounded Rectangle 11">
+                <a:extLst>
+                  <a:ext uri="{FF2B5EF4-FFF2-40B4-BE49-F238E27FC236}">
+                    <a16:creationId xmlns:a16="http://schemas.microsoft.com/office/drawing/2014/main" id="{FBE873B2-88AB-4549-B84A-148E7B2EA626}"/>
+                  </a:ext>
+                </a:extLst>
+              </p:cNvPr>
+              <p:cNvSpPr>
+                <a:spLocks noRot="1" noChangeAspect="1" noMove="1" noResize="1" noEditPoints="1" noAdjustHandles="1" noChangeArrowheads="1" noChangeShapeType="1" noTextEdit="1"/>
+              </p:cNvSpPr>
+              <p:nvPr/>
+            </p:nvSpPr>
+            <p:spPr>
+              <a:xfrm>
+                <a:off x="3248593" y="2291556"/>
+                <a:ext cx="768626" cy="821635"/>
+              </a:xfrm>
+              <a:prstGeom prst="roundRect">
+                <a:avLst/>
+              </a:prstGeom>
+              <a:blipFill>
+                <a:blip r:embed="rId5"/>
+                <a:stretch>
+                  <a:fillRect/>
+                </a:stretch>
+              </a:blipFill>
+              <a:ln w="28575" cmpd="sng">
+                <a:solidFill>
+                  <a:srgbClr val="0000FF"/>
+                </a:solidFill>
+                <a:prstDash val="solid"/>
+              </a:ln>
+            </p:spPr>
+            <p:txBody>
+              <a:bodyPr/>
+              <a:lstStyle/>
+              <a:p>
+                <a:r>
+                  <a:rPr lang="en-US">
+                    <a:noFill/>
+                  </a:rPr>
+                  <a:t> </a:t>
+                </a:r>
+              </a:p>
+            </p:txBody>
+          </p:sp>
+        </mc:Fallback>
+      </mc:AlternateContent>
+      <mc:AlternateContent xmlns:mc="http://schemas.openxmlformats.org/markup-compatibility/2006">
+        <mc:Choice xmlns:a14="http://schemas.microsoft.com/office/drawing/2010/main" Requires="a14">
+          <p:sp>
+            <p:nvSpPr>
+              <p:cNvPr id="13" name="Rounded Rectangle 12">
+                <a:extLst>
+                  <a:ext uri="{FF2B5EF4-FFF2-40B4-BE49-F238E27FC236}">
+                    <a16:creationId xmlns:a16="http://schemas.microsoft.com/office/drawing/2014/main" id="{D0B248EB-3125-484B-913A-9FC886C32979}"/>
+                  </a:ext>
+                </a:extLst>
+              </p:cNvPr>
+              <p:cNvSpPr/>
+              <p:nvPr/>
+            </p:nvSpPr>
+            <p:spPr>
+              <a:xfrm>
+                <a:off x="3223715" y="3214028"/>
+                <a:ext cx="793503" cy="385226"/>
+              </a:xfrm>
+              <a:prstGeom prst="roundRect">
+                <a:avLst>
+                  <a:gd name="adj" fmla="val 23548"/>
+                </a:avLst>
+              </a:prstGeom>
+              <a:solidFill>
+                <a:srgbClr val="FFFFFF"/>
+              </a:solidFill>
+              <a:ln w="28575" cmpd="sng">
+                <a:solidFill>
+                  <a:srgbClr val="008000"/>
+                </a:solidFill>
+              </a:ln>
+            </p:spPr>
+            <p:style>
+              <a:lnRef idx="1">
+                <a:schemeClr val="accent1"/>
+              </a:lnRef>
+              <a:fillRef idx="3">
+                <a:schemeClr val="accent1"/>
+              </a:fillRef>
+              <a:effectRef idx="2">
+                <a:schemeClr val="accent1"/>
+              </a:effectRef>
+              <a:fontRef idx="minor">
+                <a:schemeClr val="lt1"/>
+              </a:fontRef>
+            </p:style>
+            <p:txBody>
+              <a:bodyPr rtlCol="0" anchor="ctr"/>
+              <a:lstStyle/>
+              <a:p>
+                <a:pPr lvl="0" algn="ctr"/>
+                <a14:m>
+                  <m:oMathPara xmlns:m="http://schemas.openxmlformats.org/officeDocument/2006/math">
+                    <m:oMathParaPr>
+                      <m:jc m:val="centerGroup"/>
+                    </m:oMathParaPr>
+                    <m:oMath xmlns:m="http://schemas.openxmlformats.org/officeDocument/2006/math">
+                      <m:r>
+                        <a:rPr lang="en-GB" sz="1600" b="0" i="1" smtClean="0">
+                          <a:solidFill>
+                            <a:schemeClr val="tx1"/>
+                          </a:solidFill>
+                          <a:latin typeface="Cambria Math" panose="02040503050406030204" pitchFamily="18" charset="0"/>
+                          <a:ea typeface="Cambria Math" panose="02040503050406030204" pitchFamily="18" charset="0"/>
+                        </a:rPr>
+                        <m:t>𝑓</m:t>
+                      </m:r>
+                      <m:r>
+                        <a:rPr lang="en-GB" sz="1600" b="0" i="1" baseline="-25000">
+                          <a:solidFill>
+                            <a:srgbClr val="00B050"/>
+                          </a:solidFill>
+                          <a:latin typeface="Cambria Math" panose="02040503050406030204" pitchFamily="18" charset="0"/>
+                          <a:ea typeface="Cambria Math" panose="02040503050406030204" pitchFamily="18" charset="0"/>
+                        </a:rPr>
+                        <m:t>𝐸</m:t>
+                      </m:r>
+                    </m:oMath>
+                  </m:oMathPara>
+                </a14:m>
+                <a:endParaRPr kumimoji="0" lang="en-US" sz="1600" i="0" u="none" strike="noStrike" kern="1200" cap="none" spc="0" normalizeH="0" baseline="-25000" noProof="0" dirty="0">
+                  <a:ln>
+                    <a:noFill/>
+                  </a:ln>
+                  <a:solidFill>
+                    <a:prstClr val="black"/>
+                  </a:solidFill>
+                  <a:effectLst/>
+                  <a:uLnTx/>
+                  <a:uFillTx/>
+                  <a:latin typeface="Arial" panose="020B0604020202020204" pitchFamily="34" charset="0"/>
+                  <a:cs typeface="Arial" panose="020B0604020202020204" pitchFamily="34" charset="0"/>
+                </a:endParaRPr>
+              </a:p>
+            </p:txBody>
+          </p:sp>
+        </mc:Choice>
+        <mc:Fallback>
+          <p:sp>
+            <p:nvSpPr>
+              <p:cNvPr id="13" name="Rounded Rectangle 12">
+                <a:extLst>
+                  <a:ext uri="{FF2B5EF4-FFF2-40B4-BE49-F238E27FC236}">
+                    <a16:creationId xmlns:a16="http://schemas.microsoft.com/office/drawing/2014/main" id="{D0B248EB-3125-484B-913A-9FC886C32979}"/>
+                  </a:ext>
+                </a:extLst>
+              </p:cNvPr>
+              <p:cNvSpPr>
+                <a:spLocks noRot="1" noChangeAspect="1" noMove="1" noResize="1" noEditPoints="1" noAdjustHandles="1" noChangeArrowheads="1" noChangeShapeType="1" noTextEdit="1"/>
+              </p:cNvSpPr>
+              <p:nvPr/>
+            </p:nvSpPr>
+            <p:spPr>
+              <a:xfrm>
+                <a:off x="3223715" y="3214028"/>
+                <a:ext cx="793503" cy="385226"/>
+              </a:xfrm>
+              <a:prstGeom prst="roundRect">
+                <a:avLst>
+                  <a:gd name="adj" fmla="val 23548"/>
+                </a:avLst>
+              </a:prstGeom>
+              <a:blipFill>
+                <a:blip r:embed="rId6"/>
+                <a:stretch>
+                  <a:fillRect b="-1471"/>
+                </a:stretch>
+              </a:blipFill>
+              <a:ln w="28575" cmpd="sng">
+                <a:solidFill>
+                  <a:srgbClr val="008000"/>
+                </a:solidFill>
+              </a:ln>
+            </p:spPr>
+            <p:txBody>
+              <a:bodyPr/>
+              <a:lstStyle/>
+              <a:p>
+                <a:r>
+                  <a:rPr lang="en-US">
+                    <a:noFill/>
+                  </a:rPr>
+                  <a:t> </a:t>
+                </a:r>
+              </a:p>
+            </p:txBody>
+          </p:sp>
+        </mc:Fallback>
+      </mc:AlternateContent>
+      <p:sp>
+        <p:nvSpPr>
+          <p:cNvPr id="14" name="TextBox 13">
+            <a:extLst>
+              <a:ext uri="{FF2B5EF4-FFF2-40B4-BE49-F238E27FC236}">
+                <a16:creationId xmlns:a16="http://schemas.microsoft.com/office/drawing/2014/main" id="{9322229B-D04A-594E-9C05-F29C7BE5B2E4}"/>
+              </a:ext>
+            </a:extLst>
+          </p:cNvPr>
+          <p:cNvSpPr txBox="1"/>
+          <p:nvPr/>
+        </p:nvSpPr>
+        <p:spPr>
+          <a:xfrm>
+            <a:off x="3061255" y="1159201"/>
+            <a:ext cx="2109262" cy="492443"/>
+          </a:xfrm>
+          <a:prstGeom prst="rect">
+            <a:avLst/>
+          </a:prstGeom>
+          <a:noFill/>
+        </p:spPr>
+        <p:txBody>
+          <a:bodyPr wrap="square" rtlCol="0">
+            <a:spAutoFit/>
+          </a:bodyPr>
+          <a:lstStyle/>
+          <a:p>
+            <a:pPr algn="ctr"/>
+            <a:r>
+              <a:rPr lang="en-US" sz="1300" i="1" dirty="0" smtClean="0">
+                <a:solidFill>
+                  <a:prstClr val="black"/>
+                </a:solidFill>
+                <a:latin typeface="Arial" panose="020B0604020202020204" pitchFamily="34" charset="0"/>
+                <a:cs typeface="Arial" panose="020B0604020202020204" pitchFamily="34" charset="0"/>
+              </a:rPr>
+              <a:t>Constant allocation fraction to Q proteins</a:t>
+            </a:r>
+          </a:p>
+        </p:txBody>
+      </p:sp>
+      <mc:AlternateContent xmlns:mc="http://schemas.openxmlformats.org/markup-compatibility/2006">
+        <mc:Choice xmlns:a14="http://schemas.microsoft.com/office/drawing/2010/main" Requires="a14">
+          <p:sp>
+            <p:nvSpPr>
+              <p:cNvPr id="15" name="TextBox 14">
+                <a:extLst>
+                  <a:ext uri="{FF2B5EF4-FFF2-40B4-BE49-F238E27FC236}">
+                    <a16:creationId xmlns:a16="http://schemas.microsoft.com/office/drawing/2014/main" id="{183B8CA0-24D2-C644-AC34-F711AA03FB8B}"/>
+                  </a:ext>
+                </a:extLst>
+              </p:cNvPr>
+              <p:cNvSpPr txBox="1"/>
+              <p:nvPr/>
+            </p:nvSpPr>
+            <p:spPr>
+              <a:xfrm>
+                <a:off x="3942403" y="2451999"/>
+                <a:ext cx="2666215" cy="492443"/>
+              </a:xfrm>
+              <a:prstGeom prst="rect">
+                <a:avLst/>
+              </a:prstGeom>
+              <a:noFill/>
+            </p:spPr>
+            <p:txBody>
+              <a:bodyPr wrap="square" rtlCol="0">
+                <a:spAutoFit/>
+              </a:bodyPr>
+              <a:lstStyle/>
+              <a:p>
+                <a:pPr lvl="0" algn="ctr"/>
+                <a:r>
+                  <a:rPr kumimoji="0" lang="en-US" sz="1300" b="0" i="1" u="none" strike="noStrike" kern="1200" cap="none" spc="0" normalizeH="0" baseline="0" noProof="0" dirty="0" smtClean="0">
+                    <a:ln>
+                      <a:noFill/>
+                    </a:ln>
+                    <a:solidFill>
+                      <a:prstClr val="black"/>
+                    </a:solidFill>
+                    <a:effectLst/>
+                    <a:uLnTx/>
+                    <a:uFillTx/>
+                    <a:latin typeface="Arial" panose="020B0604020202020204" pitchFamily="34" charset="0"/>
+                    <a:cs typeface="Arial" panose="020B0604020202020204" pitchFamily="34" charset="0"/>
+                  </a:rPr>
+                  <a:t>Allocation to R proteins</a:t>
+                </a:r>
+                <a:r>
+                  <a:rPr kumimoji="0" lang="en-US" sz="1300" b="0" i="1" u="none" strike="noStrike" kern="1200" cap="none" spc="0" normalizeH="0" noProof="0" dirty="0" smtClean="0">
+                    <a:ln>
+                      <a:noFill/>
+                    </a:ln>
+                    <a:solidFill>
+                      <a:prstClr val="black"/>
+                    </a:solidFill>
+                    <a:effectLst/>
+                    <a:uLnTx/>
+                    <a:uFillTx/>
+                    <a:latin typeface="Arial" panose="020B0604020202020204" pitchFamily="34" charset="0"/>
+                    <a:cs typeface="Arial" panose="020B0604020202020204" pitchFamily="34" charset="0"/>
+                  </a:rPr>
+                  <a:t> set by A concentration: </a:t>
+                </a:r>
+                <a14:m>
+                  <m:oMath xmlns:m="http://schemas.openxmlformats.org/officeDocument/2006/math">
+                    <m:sSub>
+                      <m:sSubPr>
+                        <m:ctrlPr>
+                          <a:rPr lang="en-GB" sz="1300" i="1">
+                            <a:latin typeface="Cambria Math" panose="02040503050406030204" pitchFamily="18" charset="0"/>
+                            <a:ea typeface="Cambria Math" panose="02040503050406030204" pitchFamily="18" charset="0"/>
+                          </a:rPr>
+                        </m:ctrlPr>
+                      </m:sSubPr>
+                      <m:e>
+                        <m:r>
+                          <a:rPr lang="en-GB" sz="1300" i="1">
+                            <a:latin typeface="Cambria Math" panose="02040503050406030204" pitchFamily="18" charset="0"/>
+                            <a:ea typeface="Cambria Math" panose="02040503050406030204" pitchFamily="18" charset="0"/>
+                          </a:rPr>
+                          <m:t>𝑓</m:t>
+                        </m:r>
+                      </m:e>
+                      <m:sub>
+                        <m:r>
+                          <a:rPr lang="en-GB" sz="1300" i="1">
+                            <a:solidFill>
+                              <a:srgbClr val="0432FF"/>
+                            </a:solidFill>
+                            <a:latin typeface="Cambria Math" panose="02040503050406030204" pitchFamily="18" charset="0"/>
+                            <a:ea typeface="Cambria Math" panose="02040503050406030204" pitchFamily="18" charset="0"/>
+                          </a:rPr>
+                          <m:t>𝑅</m:t>
+                        </m:r>
+                      </m:sub>
+                    </m:sSub>
+                    <m:r>
+                      <a:rPr lang="en-US" sz="1300" b="0" i="1" smtClean="0">
+                        <a:solidFill>
+                          <a:schemeClr val="tx1"/>
+                        </a:solidFill>
+                        <a:latin typeface="Cambria Math" panose="02040503050406030204" pitchFamily="18" charset="0"/>
+                        <a:ea typeface="Cambria Math" panose="02040503050406030204" pitchFamily="18" charset="0"/>
+                      </a:rPr>
+                      <m:t>=</m:t>
+                    </m:r>
+                    <m:r>
+                      <a:rPr lang="en-US" sz="1300" b="0" i="1" smtClean="0">
+                        <a:solidFill>
+                          <a:schemeClr val="tx1"/>
+                        </a:solidFill>
+                        <a:latin typeface="Cambria Math" panose="02040503050406030204" pitchFamily="18" charset="0"/>
+                        <a:ea typeface="Cambria Math" panose="02040503050406030204" pitchFamily="18" charset="0"/>
+                      </a:rPr>
+                      <m:t>𝛿</m:t>
+                    </m:r>
+                    <m:r>
+                      <a:rPr lang="en-US" sz="1300" b="0" i="1" smtClean="0">
+                        <a:solidFill>
+                          <a:schemeClr val="tx1"/>
+                        </a:solidFill>
+                        <a:latin typeface="Cambria Math" panose="02040503050406030204" pitchFamily="18" charset="0"/>
+                        <a:ea typeface="Cambria Math" panose="02040503050406030204" pitchFamily="18" charset="0"/>
+                      </a:rPr>
+                      <m:t>∗</m:t>
+                    </m:r>
+                    <m:r>
+                      <a:rPr lang="en-GB" sz="1300" i="1">
+                        <a:solidFill>
+                          <a:srgbClr val="FF40FF"/>
+                        </a:solidFill>
+                        <a:latin typeface="Cambria Math" panose="02040503050406030204" pitchFamily="18" charset="0"/>
+                        <a:ea typeface="Cambria Math" panose="02040503050406030204" pitchFamily="18" charset="0"/>
+                      </a:rPr>
+                      <m:t>𝑎</m:t>
+                    </m:r>
+                  </m:oMath>
+                </a14:m>
+                <a:endParaRPr kumimoji="0" lang="en-US" sz="1300" b="0" i="1" u="none" strike="noStrike" kern="1200" cap="none" spc="0" normalizeH="0" baseline="0" noProof="0" dirty="0">
+                  <a:ln>
+                    <a:noFill/>
+                  </a:ln>
+                  <a:solidFill>
+                    <a:prstClr val="black"/>
+                  </a:solidFill>
+                  <a:effectLst/>
+                  <a:uLnTx/>
+                  <a:uFillTx/>
+                  <a:latin typeface="Arial" panose="020B0604020202020204" pitchFamily="34" charset="0"/>
+                  <a:cs typeface="Arial" panose="020B0604020202020204" pitchFamily="34" charset="0"/>
+                </a:endParaRPr>
+              </a:p>
+            </p:txBody>
+          </p:sp>
+        </mc:Choice>
+        <mc:Fallback>
+          <p:sp>
+            <p:nvSpPr>
+              <p:cNvPr id="15" name="TextBox 14">
+                <a:extLst>
+                  <a:ext uri="{FF2B5EF4-FFF2-40B4-BE49-F238E27FC236}">
+                    <a16:creationId xmlns:a16="http://schemas.microsoft.com/office/drawing/2014/main" id="{183B8CA0-24D2-C644-AC34-F711AA03FB8B}"/>
+                  </a:ext>
+                </a:extLst>
+              </p:cNvPr>
+              <p:cNvSpPr txBox="1">
+                <a:spLocks noRot="1" noChangeAspect="1" noMove="1" noResize="1" noEditPoints="1" noAdjustHandles="1" noChangeArrowheads="1" noChangeShapeType="1" noTextEdit="1"/>
+              </p:cNvSpPr>
+              <p:nvPr/>
+            </p:nvSpPr>
+            <p:spPr>
+              <a:xfrm>
+                <a:off x="3942403" y="2451999"/>
+                <a:ext cx="2666215" cy="492443"/>
+              </a:xfrm>
+              <a:prstGeom prst="rect">
+                <a:avLst/>
+              </a:prstGeom>
+              <a:blipFill>
+                <a:blip r:embed="rId7"/>
+                <a:stretch>
+                  <a:fillRect t="-1235" b="-9877"/>
+                </a:stretch>
+              </a:blipFill>
+            </p:spPr>
+            <p:txBody>
+              <a:bodyPr/>
+              <a:lstStyle/>
+              <a:p>
+                <a:r>
+                  <a:rPr lang="en-US">
+                    <a:noFill/>
+                  </a:rPr>
+                  <a:t> </a:t>
+                </a:r>
+              </a:p>
+            </p:txBody>
+          </p:sp>
+        </mc:Fallback>
+      </mc:AlternateContent>
+      <p:sp>
+        <p:nvSpPr>
+          <p:cNvPr id="16" name="TextBox 15">
+            <a:extLst>
+              <a:ext uri="{FF2B5EF4-FFF2-40B4-BE49-F238E27FC236}">
+                <a16:creationId xmlns:a16="http://schemas.microsoft.com/office/drawing/2014/main" id="{0692EC20-3350-D449-892A-494FCEAED6A2}"/>
+              </a:ext>
+            </a:extLst>
+          </p:cNvPr>
+          <p:cNvSpPr txBox="1"/>
+          <p:nvPr/>
+        </p:nvSpPr>
+        <p:spPr>
+          <a:xfrm>
+            <a:off x="3080051" y="3725980"/>
+            <a:ext cx="3016681" cy="292388"/>
+          </a:xfrm>
+          <a:prstGeom prst="rect">
+            <a:avLst/>
+          </a:prstGeom>
+          <a:noFill/>
+        </p:spPr>
+        <p:txBody>
+          <a:bodyPr wrap="square" rtlCol="0">
+            <a:spAutoFit/>
+          </a:bodyPr>
+          <a:lstStyle/>
+          <a:p>
+            <a:pPr marL="0" marR="0" lvl="0" indent="0" algn="ctr" defTabSz="914400" rtl="0" eaLnBrk="1" fontAlgn="auto" latinLnBrk="0" hangingPunct="1">
+              <a:lnSpc>
+                <a:spcPct val="100000"/>
+              </a:lnSpc>
+              <a:spcBef>
+                <a:spcPts val="0"/>
+              </a:spcBef>
+              <a:spcAft>
+                <a:spcPts val="0"/>
+              </a:spcAft>
+              <a:buClrTx/>
+              <a:buSzTx/>
+              <a:buFontTx/>
+              <a:buNone/>
+              <a:tabLst/>
+              <a:defRPr/>
+            </a:pPr>
+            <a:r>
+              <a:rPr kumimoji="0" lang="en-US" sz="1300" b="0" i="1" u="none" strike="noStrike" kern="1200" cap="none" spc="0" normalizeH="0" baseline="0" noProof="0" dirty="0">
+                <a:ln>
+                  <a:noFill/>
+                </a:ln>
+                <a:solidFill>
+                  <a:prstClr val="black"/>
+                </a:solidFill>
+                <a:effectLst/>
+                <a:uLnTx/>
+                <a:uFillTx/>
+                <a:latin typeface="Arial" panose="020B0604020202020204" pitchFamily="34" charset="0"/>
+                <a:ea typeface="+mn-ea"/>
+                <a:cs typeface="Arial" panose="020B0604020202020204" pitchFamily="34" charset="0"/>
+              </a:rPr>
+              <a:t>Small allocation </a:t>
+            </a:r>
+            <a:r>
+              <a:rPr kumimoji="0" lang="en-US" sz="1300" b="0" i="1" u="none" strike="noStrike" kern="1200" cap="none" spc="0" normalizeH="0" baseline="0" noProof="0" dirty="0" smtClean="0">
+                <a:ln>
+                  <a:noFill/>
+                </a:ln>
+                <a:solidFill>
+                  <a:prstClr val="black"/>
+                </a:solidFill>
+                <a:effectLst/>
+                <a:uLnTx/>
+                <a:uFillTx/>
+                <a:latin typeface="Arial" panose="020B0604020202020204" pitchFamily="34" charset="0"/>
+                <a:ea typeface="+mn-ea"/>
+                <a:cs typeface="Arial" panose="020B0604020202020204" pitchFamily="34" charset="0"/>
+              </a:rPr>
+              <a:t>fraction to X proteins</a:t>
+            </a:r>
+            <a:endParaRPr kumimoji="0" lang="en-US" sz="1300" b="0" i="1" u="none" strike="noStrike" kern="1200" cap="none" spc="0" normalizeH="0" baseline="0" noProof="0" dirty="0">
+              <a:ln>
+                <a:noFill/>
+              </a:ln>
+              <a:solidFill>
+                <a:prstClr val="black"/>
+              </a:solidFill>
+              <a:effectLst/>
+              <a:uLnTx/>
+              <a:uFillTx/>
+              <a:latin typeface="Arial" panose="020B0604020202020204" pitchFamily="34" charset="0"/>
+              <a:ea typeface="+mn-ea"/>
+              <a:cs typeface="Arial" panose="020B0604020202020204" pitchFamily="34" charset="0"/>
+            </a:endParaRPr>
+          </a:p>
+        </p:txBody>
+      </p:sp>
+      <p:sp>
+        <p:nvSpPr>
+          <p:cNvPr id="17" name="Left Brace 16">
+            <a:extLst>
+              <a:ext uri="{FF2B5EF4-FFF2-40B4-BE49-F238E27FC236}">
+                <a16:creationId xmlns:a16="http://schemas.microsoft.com/office/drawing/2014/main" id="{CB7ABFF6-C988-304D-8469-4927FBF263DC}"/>
+              </a:ext>
+            </a:extLst>
+          </p:cNvPr>
+          <p:cNvSpPr/>
+          <p:nvPr/>
+        </p:nvSpPr>
+        <p:spPr>
+          <a:xfrm>
+            <a:off x="1889184" y="997044"/>
+            <a:ext cx="217281" cy="3012116"/>
+          </a:xfrm>
+          <a:prstGeom prst="leftBrace">
+            <a:avLst>
+              <a:gd name="adj1" fmla="val 118461"/>
+              <a:gd name="adj2" fmla="val 51161"/>
+            </a:avLst>
+          </a:prstGeom>
+          <a:ln w="19050">
+            <a:solidFill>
+              <a:schemeClr val="tx1"/>
+            </a:solidFill>
+          </a:ln>
+        </p:spPr>
+        <p:style>
+          <a:lnRef idx="1">
+            <a:schemeClr val="accent1"/>
+          </a:lnRef>
+          <a:fillRef idx="0">
+            <a:schemeClr val="accent1"/>
+          </a:fillRef>
+          <a:effectRef idx="0">
+            <a:schemeClr val="accent1"/>
+          </a:effectRef>
+          <a:fontRef idx="minor">
+            <a:schemeClr val="tx1"/>
+          </a:fontRef>
+        </p:style>
+        <p:txBody>
+          <a:bodyPr rtlCol="0" anchor="ctr"/>
+          <a:lstStyle/>
+          <a:p>
+            <a:pPr marL="0" marR="0" lvl="0" indent="0" algn="ctr" defTabSz="914400" rtl="0" eaLnBrk="1" fontAlgn="auto" latinLnBrk="0" hangingPunct="1">
+              <a:lnSpc>
+                <a:spcPct val="100000"/>
+              </a:lnSpc>
+              <a:spcBef>
+                <a:spcPts val="0"/>
+              </a:spcBef>
+              <a:spcAft>
+                <a:spcPts val="0"/>
+              </a:spcAft>
+              <a:buClrTx/>
+              <a:buSzTx/>
+              <a:buFontTx/>
+              <a:buNone/>
+              <a:tabLst/>
+              <a:defRPr/>
+            </a:pPr>
+            <a:endParaRPr kumimoji="0" lang="en-US" sz="1800" b="0" i="0" u="none" strike="noStrike" kern="1200" cap="none" spc="0" normalizeH="0" baseline="0" noProof="0">
+              <a:ln>
+                <a:noFill/>
+              </a:ln>
+              <a:solidFill>
+                <a:prstClr val="black"/>
+              </a:solidFill>
+              <a:effectLst/>
+              <a:uLnTx/>
+              <a:uFillTx/>
+              <a:latin typeface="Arial" panose="020B0604020202020204" pitchFamily="34" charset="0"/>
+              <a:ea typeface="+mn-ea"/>
+              <a:cs typeface="Arial" panose="020B0604020202020204" pitchFamily="34" charset="0"/>
+            </a:endParaRPr>
+          </a:p>
+        </p:txBody>
+      </p:sp>
+      <mc:AlternateContent xmlns:mc="http://schemas.openxmlformats.org/markup-compatibility/2006">
+        <mc:Choice xmlns:a14="http://schemas.microsoft.com/office/drawing/2010/main" Requires="a14">
+          <p:sp>
+            <p:nvSpPr>
+              <p:cNvPr id="18" name="TextBox 17">
+                <a:extLst>
+                  <a:ext uri="{FF2B5EF4-FFF2-40B4-BE49-F238E27FC236}">
+                    <a16:creationId xmlns:a16="http://schemas.microsoft.com/office/drawing/2014/main" id="{E6F344DC-17F6-9246-B48B-3E1DE12DF492}"/>
+                  </a:ext>
+                </a:extLst>
+              </p:cNvPr>
+              <p:cNvSpPr txBox="1"/>
+              <p:nvPr/>
+            </p:nvSpPr>
+            <p:spPr>
+              <a:xfrm>
+                <a:off x="351305" y="1775610"/>
+                <a:ext cx="1643269" cy="1143968"/>
+              </a:xfrm>
+              <a:prstGeom prst="rect">
+                <a:avLst/>
+              </a:prstGeom>
+              <a:noFill/>
+            </p:spPr>
+            <p:txBody>
+              <a:bodyPr wrap="square" rtlCol="0">
+                <a:spAutoFit/>
+              </a:bodyPr>
+              <a:lstStyle/>
+              <a:p>
+                <a:pPr marL="0" marR="0" lvl="0" indent="0" algn="ctr" defTabSz="914400" rtl="0" eaLnBrk="1" fontAlgn="auto" latinLnBrk="0" hangingPunct="1">
+                  <a:lnSpc>
+                    <a:spcPct val="100000"/>
+                  </a:lnSpc>
+                  <a:spcBef>
+                    <a:spcPts val="0"/>
+                  </a:spcBef>
+                  <a:spcAft>
+                    <a:spcPts val="0"/>
+                  </a:spcAft>
+                  <a:buClrTx/>
+                  <a:buSzTx/>
+                  <a:buFontTx/>
+                  <a:buNone/>
+                  <a:tabLst/>
+                  <a:defRPr/>
+                </a:pPr>
+                <a:r>
+                  <a:rPr kumimoji="0" lang="en-US" sz="1400" b="0" i="0" u="none" strike="noStrike" kern="1200" cap="none" spc="0" normalizeH="0" baseline="0" noProof="0" dirty="0">
+                    <a:ln>
+                      <a:noFill/>
+                    </a:ln>
+                    <a:solidFill>
+                      <a:prstClr val="black"/>
+                    </a:solidFill>
+                    <a:effectLst/>
+                    <a:uLnTx/>
+                    <a:uFillTx/>
+                    <a:latin typeface="Arial" panose="020B0604020202020204" pitchFamily="34" charset="0"/>
+                    <a:ea typeface="+mn-ea"/>
+                    <a:cs typeface="Arial" panose="020B0604020202020204" pitchFamily="34" charset="0"/>
+                  </a:rPr>
+                  <a:t>Total synthesis capacity</a:t>
+                </a:r>
+              </a:p>
+              <a:p>
+                <a:pPr marL="0" marR="0" lvl="0" indent="0" algn="ctr" defTabSz="914400" rtl="0" eaLnBrk="1" fontAlgn="auto" latinLnBrk="0" hangingPunct="1">
+                  <a:lnSpc>
+                    <a:spcPct val="100000"/>
+                  </a:lnSpc>
+                  <a:spcBef>
+                    <a:spcPts val="0"/>
+                  </a:spcBef>
+                  <a:spcAft>
+                    <a:spcPts val="0"/>
+                  </a:spcAft>
+                  <a:buClrTx/>
+                  <a:buSzTx/>
+                  <a:buFontTx/>
+                  <a:buNone/>
+                  <a:tabLst/>
+                  <a:defRPr/>
+                </a:pPr>
+                <a:r>
+                  <a:rPr kumimoji="0" lang="en-US" sz="1400" b="0" i="0" u="none" strike="noStrike" kern="1200" cap="none" spc="0" normalizeH="0" baseline="0" noProof="0" dirty="0">
+                    <a:ln>
+                      <a:noFill/>
+                    </a:ln>
+                    <a:solidFill>
+                      <a:prstClr val="black"/>
+                    </a:solidFill>
+                    <a:effectLst/>
+                    <a:uLnTx/>
+                    <a:uFillTx/>
+                    <a:latin typeface="Arial" panose="020B0604020202020204" pitchFamily="34" charset="0"/>
+                    <a:ea typeface="+mn-ea"/>
+                    <a:cs typeface="Arial" panose="020B0604020202020204" pitchFamily="34" charset="0"/>
+                  </a:rPr>
+                  <a:t>=</a:t>
+                </a:r>
+              </a:p>
+              <a:p>
+                <a:pPr marL="0" marR="0" lvl="0" indent="0" algn="ctr" defTabSz="914400" rtl="0" eaLnBrk="1" fontAlgn="auto" latinLnBrk="0" hangingPunct="1">
+                  <a:lnSpc>
+                    <a:spcPct val="100000"/>
+                  </a:lnSpc>
+                  <a:spcBef>
+                    <a:spcPts val="0"/>
+                  </a:spcBef>
+                  <a:spcAft>
+                    <a:spcPts val="0"/>
+                  </a:spcAft>
+                  <a:buClrTx/>
+                  <a:buSzTx/>
+                  <a:buFontTx/>
+                  <a:buNone/>
+                  <a:tabLst/>
+                  <a:defRPr/>
+                </a:pPr>
+                <a14:m>
+                  <m:oMathPara xmlns:m="http://schemas.openxmlformats.org/officeDocument/2006/math">
+                    <m:oMathParaPr>
+                      <m:jc m:val="centerGroup"/>
+                    </m:oMathParaPr>
+                    <m:oMath xmlns:m="http://schemas.openxmlformats.org/officeDocument/2006/math">
+                      <m:r>
+                        <a:rPr kumimoji="0" lang="en-US" sz="1400" b="0" i="1" u="none" strike="noStrike" kern="1200" cap="none" spc="0" normalizeH="0" baseline="0" noProof="0" smtClean="0">
+                          <a:ln>
+                            <a:noFill/>
+                          </a:ln>
+                          <a:solidFill>
+                            <a:prstClr val="black"/>
+                          </a:solidFill>
+                          <a:effectLst/>
+                          <a:uLnTx/>
+                          <a:uFillTx/>
+                          <a:latin typeface="Cambria Math" panose="02040503050406030204" pitchFamily="18" charset="0"/>
+                          <a:ea typeface="Cambria Math" panose="02040503050406030204" pitchFamily="18" charset="0"/>
+                          <a:cs typeface="+mn-cs"/>
+                        </a:rPr>
+                        <m:t>𝜎</m:t>
+                      </m:r>
+                      <m:sSub>
+                        <m:sSubPr>
+                          <m:ctrlPr>
+                            <a:rPr kumimoji="0" lang="en-US" sz="1400" b="0" i="1" u="none" strike="noStrike" kern="1200" cap="none" spc="0" normalizeH="0" baseline="0" noProof="0" smtClean="0">
+                              <a:ln>
+                                <a:noFill/>
+                              </a:ln>
+                              <a:solidFill>
+                                <a:prstClr val="black"/>
+                              </a:solidFill>
+                              <a:effectLst/>
+                              <a:uLnTx/>
+                              <a:uFillTx/>
+                              <a:latin typeface="Cambria Math" panose="02040503050406030204" pitchFamily="18" charset="0"/>
+                              <a:ea typeface="Cambria Math" panose="02040503050406030204" pitchFamily="18" charset="0"/>
+                              <a:cs typeface="+mn-cs"/>
+                            </a:rPr>
+                          </m:ctrlPr>
+                        </m:sSubPr>
+                        <m:e>
+                          <m:r>
+                            <a:rPr kumimoji="0" lang="en-GB" sz="1400" b="0" i="1" u="none" strike="noStrike" kern="1200" cap="none" spc="0" normalizeH="0" baseline="0" noProof="0" smtClean="0">
+                              <a:ln>
+                                <a:noFill/>
+                              </a:ln>
+                              <a:solidFill>
+                                <a:prstClr val="black"/>
+                              </a:solidFill>
+                              <a:effectLst/>
+                              <a:uLnTx/>
+                              <a:uFillTx/>
+                              <a:latin typeface="Cambria Math" panose="02040503050406030204" pitchFamily="18" charset="0"/>
+                              <a:ea typeface="Cambria Math" panose="02040503050406030204" pitchFamily="18" charset="0"/>
+                              <a:cs typeface="+mn-cs"/>
+                            </a:rPr>
+                            <m:t>𝑅</m:t>
+                          </m:r>
+                        </m:e>
+                        <m:sub>
+                          <m:r>
+                            <a:rPr kumimoji="0" lang="en-GB" sz="1400" b="0" i="1" u="none" strike="noStrike" kern="1200" cap="none" spc="0" normalizeH="0" baseline="0" noProof="0" smtClean="0">
+                              <a:ln>
+                                <a:noFill/>
+                              </a:ln>
+                              <a:solidFill>
+                                <a:prstClr val="black"/>
+                              </a:solidFill>
+                              <a:effectLst/>
+                              <a:uLnTx/>
+                              <a:uFillTx/>
+                              <a:latin typeface="Cambria Math" panose="02040503050406030204" pitchFamily="18" charset="0"/>
+                              <a:ea typeface="Cambria Math" panose="02040503050406030204" pitchFamily="18" charset="0"/>
+                              <a:cs typeface="+mn-cs"/>
+                            </a:rPr>
+                            <m:t>𝑎𝑐𝑡𝑖𝑣𝑒</m:t>
+                          </m:r>
+                        </m:sub>
+                      </m:sSub>
+                      <m:f>
+                        <m:fPr>
+                          <m:ctrlPr>
+                            <a:rPr kumimoji="0" lang="en-GB" sz="1400" b="0" i="1" u="none" strike="noStrike" kern="1200" cap="none" spc="0" normalizeH="0" baseline="0" noProof="0" smtClean="0">
+                              <a:ln>
+                                <a:noFill/>
+                              </a:ln>
+                              <a:solidFill>
+                                <a:prstClr val="black"/>
+                              </a:solidFill>
+                              <a:effectLst/>
+                              <a:uLnTx/>
+                              <a:uFillTx/>
+                              <a:latin typeface="Cambria Math" panose="02040503050406030204" pitchFamily="18" charset="0"/>
+                              <a:ea typeface="Cambria Math" panose="02040503050406030204" pitchFamily="18" charset="0"/>
+                              <a:cs typeface="+mn-cs"/>
+                            </a:rPr>
+                          </m:ctrlPr>
+                        </m:fPr>
+                        <m:num>
+                          <m:r>
+                            <a:rPr kumimoji="0" lang="en-GB" sz="1400" b="0" i="1" u="none" strike="noStrike" kern="1200" cap="none" spc="0" normalizeH="0" baseline="0" noProof="0" smtClean="0">
+                              <a:ln>
+                                <a:noFill/>
+                              </a:ln>
+                              <a:solidFill>
+                                <a:prstClr val="black"/>
+                              </a:solidFill>
+                              <a:effectLst/>
+                              <a:uLnTx/>
+                              <a:uFillTx/>
+                              <a:latin typeface="Cambria Math" panose="02040503050406030204" pitchFamily="18" charset="0"/>
+                              <a:ea typeface="Cambria Math" panose="02040503050406030204" pitchFamily="18" charset="0"/>
+                              <a:cs typeface="+mn-cs"/>
+                            </a:rPr>
+                            <m:t>𝑎</m:t>
+                          </m:r>
+                        </m:num>
+                        <m:den>
+                          <m:r>
+                            <a:rPr kumimoji="0" lang="en-GB" sz="1400" b="0" i="1" u="none" strike="noStrike" kern="1200" cap="none" spc="0" normalizeH="0" baseline="0" noProof="0" smtClean="0">
+                              <a:ln>
+                                <a:noFill/>
+                              </a:ln>
+                              <a:solidFill>
+                                <a:prstClr val="black"/>
+                              </a:solidFill>
+                              <a:effectLst/>
+                              <a:uLnTx/>
+                              <a:uFillTx/>
+                              <a:latin typeface="Cambria Math" panose="02040503050406030204" pitchFamily="18" charset="0"/>
+                              <a:ea typeface="Cambria Math" panose="02040503050406030204" pitchFamily="18" charset="0"/>
+                              <a:cs typeface="+mn-cs"/>
+                            </a:rPr>
+                            <m:t>𝑎</m:t>
+                          </m:r>
+                          <m:r>
+                            <a:rPr kumimoji="0" lang="en-GB" sz="1400" b="0" i="1" u="none" strike="noStrike" kern="1200" cap="none" spc="0" normalizeH="0" baseline="0" noProof="0" smtClean="0">
+                              <a:ln>
+                                <a:noFill/>
+                              </a:ln>
+                              <a:solidFill>
+                                <a:prstClr val="black"/>
+                              </a:solidFill>
+                              <a:effectLst/>
+                              <a:uLnTx/>
+                              <a:uFillTx/>
+                              <a:latin typeface="Cambria Math" panose="02040503050406030204" pitchFamily="18" charset="0"/>
+                              <a:ea typeface="Cambria Math" panose="02040503050406030204" pitchFamily="18" charset="0"/>
+                              <a:cs typeface="+mn-cs"/>
+                            </a:rPr>
+                            <m:t>+</m:t>
+                          </m:r>
+                          <m:sSub>
+                            <m:sSubPr>
+                              <m:ctrlPr>
+                                <a:rPr kumimoji="0" lang="en-GB" sz="1400" b="0" i="1" u="none" strike="noStrike" kern="1200" cap="none" spc="0" normalizeH="0" baseline="0" noProof="0" smtClean="0">
+                                  <a:ln>
+                                    <a:noFill/>
+                                  </a:ln>
+                                  <a:solidFill>
+                                    <a:prstClr val="black"/>
+                                  </a:solidFill>
+                                  <a:effectLst/>
+                                  <a:uLnTx/>
+                                  <a:uFillTx/>
+                                  <a:latin typeface="Cambria Math" panose="02040503050406030204" pitchFamily="18" charset="0"/>
+                                  <a:ea typeface="Cambria Math" panose="02040503050406030204" pitchFamily="18" charset="0"/>
+                                  <a:cs typeface="+mn-cs"/>
+                                </a:rPr>
+                              </m:ctrlPr>
+                            </m:sSubPr>
+                            <m:e>
+                              <m:r>
+                                <a:rPr kumimoji="0" lang="en-GB" sz="1400" b="0" i="1" u="none" strike="noStrike" kern="1200" cap="none" spc="0" normalizeH="0" baseline="0" noProof="0" smtClean="0">
+                                  <a:ln>
+                                    <a:noFill/>
+                                  </a:ln>
+                                  <a:solidFill>
+                                    <a:prstClr val="black"/>
+                                  </a:solidFill>
+                                  <a:effectLst/>
+                                  <a:uLnTx/>
+                                  <a:uFillTx/>
+                                  <a:latin typeface="Cambria Math" panose="02040503050406030204" pitchFamily="18" charset="0"/>
+                                  <a:ea typeface="Cambria Math" panose="02040503050406030204" pitchFamily="18" charset="0"/>
+                                  <a:cs typeface="+mn-cs"/>
+                                </a:rPr>
+                                <m:t>𝑎</m:t>
+                              </m:r>
+                            </m:e>
+                            <m:sub>
+                              <m:r>
+                                <a:rPr kumimoji="0" lang="en-GB" sz="1400" b="0" i="1" u="none" strike="noStrike" kern="1200" cap="none" spc="0" normalizeH="0" baseline="0" noProof="0" smtClean="0">
+                                  <a:ln>
+                                    <a:noFill/>
+                                  </a:ln>
+                                  <a:solidFill>
+                                    <a:prstClr val="black"/>
+                                  </a:solidFill>
+                                  <a:effectLst/>
+                                  <a:uLnTx/>
+                                  <a:uFillTx/>
+                                  <a:latin typeface="Cambria Math" panose="02040503050406030204" pitchFamily="18" charset="0"/>
+                                  <a:ea typeface="Cambria Math" panose="02040503050406030204" pitchFamily="18" charset="0"/>
+                                  <a:cs typeface="+mn-cs"/>
+                                </a:rPr>
+                                <m:t>𝑠𝑎𝑡</m:t>
+                              </m:r>
+                            </m:sub>
+                          </m:sSub>
+                        </m:den>
+                      </m:f>
+                    </m:oMath>
+                  </m:oMathPara>
+                </a14:m>
+                <a:endParaRPr kumimoji="0" lang="en-US" sz="1400" b="0" i="0" u="none" strike="noStrike" kern="1200" cap="none" spc="0" normalizeH="0" baseline="0" noProof="0" dirty="0">
+                  <a:ln>
+                    <a:noFill/>
+                  </a:ln>
+                  <a:solidFill>
+                    <a:prstClr val="black"/>
+                  </a:solidFill>
+                  <a:effectLst/>
+                  <a:uLnTx/>
+                  <a:uFillTx/>
+                  <a:latin typeface="Arial" panose="020B0604020202020204" pitchFamily="34" charset="0"/>
+                  <a:ea typeface="+mn-ea"/>
+                  <a:cs typeface="Arial" panose="020B0604020202020204" pitchFamily="34" charset="0"/>
+                </a:endParaRPr>
+              </a:p>
+            </p:txBody>
+          </p:sp>
+        </mc:Choice>
+        <mc:Fallback>
+          <p:sp>
+            <p:nvSpPr>
+              <p:cNvPr id="18" name="TextBox 17">
+                <a:extLst>
+                  <a:ext uri="{FF2B5EF4-FFF2-40B4-BE49-F238E27FC236}">
+                    <a16:creationId xmlns:a16="http://schemas.microsoft.com/office/drawing/2014/main" id="{E6F344DC-17F6-9246-B48B-3E1DE12DF492}"/>
+                  </a:ext>
+                </a:extLst>
+              </p:cNvPr>
+              <p:cNvSpPr txBox="1">
+                <a:spLocks noRot="1" noChangeAspect="1" noMove="1" noResize="1" noEditPoints="1" noAdjustHandles="1" noChangeArrowheads="1" noChangeShapeType="1" noTextEdit="1"/>
+              </p:cNvSpPr>
+              <p:nvPr/>
+            </p:nvSpPr>
+            <p:spPr>
+              <a:xfrm>
+                <a:off x="351305" y="1775610"/>
+                <a:ext cx="1643269" cy="1143968"/>
+              </a:xfrm>
+              <a:prstGeom prst="rect">
+                <a:avLst/>
+              </a:prstGeom>
+              <a:blipFill>
+                <a:blip r:embed="rId8"/>
+                <a:stretch>
+                  <a:fillRect t="-532"/>
+                </a:stretch>
+              </a:blipFill>
+            </p:spPr>
+            <p:txBody>
+              <a:bodyPr/>
+              <a:lstStyle/>
+              <a:p>
+                <a:r>
+                  <a:rPr lang="en-US">
+                    <a:noFill/>
+                  </a:rPr>
+                  <a:t> </a:t>
+                </a:r>
+              </a:p>
+            </p:txBody>
+          </p:sp>
+        </mc:Fallback>
+      </mc:AlternateContent>
+      <mc:AlternateContent xmlns:mc="http://schemas.openxmlformats.org/markup-compatibility/2006">
+        <mc:Choice xmlns:a14="http://schemas.microsoft.com/office/drawing/2010/main" Requires="a14">
+          <p:sp>
+            <p:nvSpPr>
+              <p:cNvPr id="19" name="TextBox 13">
+                <a:extLst>
+                  <a:ext uri="{FF2B5EF4-FFF2-40B4-BE49-F238E27FC236}">
+                    <a16:creationId xmlns:a16="http://schemas.microsoft.com/office/drawing/2014/main" id="{9322229B-D04A-594E-9C05-F29C7BE5B2E4}"/>
+                  </a:ext>
+                </a:extLst>
+              </p:cNvPr>
+              <p:cNvSpPr txBox="1"/>
+              <p:nvPr/>
+            </p:nvSpPr>
+            <p:spPr>
+              <a:xfrm>
+                <a:off x="1057767" y="231595"/>
+                <a:ext cx="4921463" cy="388889"/>
+              </a:xfrm>
+              <a:prstGeom prst="rect">
+                <a:avLst/>
+              </a:prstGeom>
+              <a:noFill/>
+            </p:spPr>
+            <p:txBody>
+              <a:bodyPr wrap="square" rtlCol="0">
+                <a:spAutoFit/>
+              </a:bodyPr>
+              <a:lstStyle/>
+              <a:p>
+                <a:pPr lvl="0" algn="ctr"/>
+                <a:r>
+                  <a:rPr kumimoji="0" lang="en-US" b="1" i="0" u="none" strike="noStrike" kern="1200" cap="none" spc="0" normalizeH="0" baseline="0" noProof="0" dirty="0" smtClean="0">
+                    <a:ln>
+                      <a:noFill/>
+                    </a:ln>
+                    <a:solidFill>
+                      <a:prstClr val="black"/>
+                    </a:solidFill>
+                    <a:effectLst/>
+                    <a:uLnTx/>
+                    <a:uFillTx/>
+                    <a:latin typeface="Arial" panose="020B0604020202020204" pitchFamily="34" charset="0"/>
+                    <a:cs typeface="Arial" panose="020B0604020202020204" pitchFamily="34" charset="0"/>
+                  </a:rPr>
+                  <a:t>How</a:t>
+                </a:r>
+                <a:r>
+                  <a:rPr kumimoji="0" lang="en-US" b="1" i="0" u="none" strike="noStrike" kern="1200" cap="none" spc="0" normalizeH="0" noProof="0" dirty="0" smtClean="0">
+                    <a:ln>
+                      <a:noFill/>
+                    </a:ln>
+                    <a:solidFill>
+                      <a:prstClr val="black"/>
+                    </a:solidFill>
+                    <a:effectLst/>
+                    <a:uLnTx/>
+                    <a:uFillTx/>
+                    <a:latin typeface="Arial" panose="020B0604020202020204" pitchFamily="34" charset="0"/>
+                    <a:cs typeface="Arial" panose="020B0604020202020204" pitchFamily="34" charset="0"/>
+                  </a:rPr>
+                  <a:t> are </a:t>
+                </a:r>
+                <a14:m>
+                  <m:oMath xmlns:m="http://schemas.openxmlformats.org/officeDocument/2006/math">
+                    <m:r>
+                      <a:rPr lang="en-GB" b="1" i="1">
+                        <a:latin typeface="Cambria Math" panose="02040503050406030204" pitchFamily="18" charset="0"/>
+                        <a:ea typeface="Cambria Math" panose="02040503050406030204" pitchFamily="18" charset="0"/>
+                      </a:rPr>
+                      <m:t>𝒇</m:t>
+                    </m:r>
+                    <m:r>
+                      <a:rPr lang="en-GB" b="1" i="1" baseline="-25000">
+                        <a:solidFill>
+                          <a:srgbClr val="00B050"/>
+                        </a:solidFill>
+                        <a:latin typeface="Cambria Math" panose="02040503050406030204" pitchFamily="18" charset="0"/>
+                        <a:ea typeface="Cambria Math" panose="02040503050406030204" pitchFamily="18" charset="0"/>
+                      </a:rPr>
+                      <m:t>𝑬</m:t>
+                    </m:r>
+                  </m:oMath>
+                </a14:m>
+                <a:r>
+                  <a:rPr kumimoji="0" lang="en-US" b="1" i="0" u="none" strike="noStrike" kern="1200" cap="none" spc="0" normalizeH="0" noProof="0" dirty="0" smtClean="0">
+                    <a:ln>
+                      <a:noFill/>
+                    </a:ln>
+                    <a:solidFill>
+                      <a:prstClr val="black"/>
+                    </a:solidFill>
+                    <a:effectLst/>
+                    <a:uLnTx/>
+                    <a:uFillTx/>
+                    <a:latin typeface="Arial" panose="020B0604020202020204" pitchFamily="34" charset="0"/>
+                    <a:cs typeface="Arial" panose="020B0604020202020204" pitchFamily="34" charset="0"/>
+                  </a:rPr>
+                  <a:t>, </a:t>
+                </a:r>
+                <a14:m>
+                  <m:oMath xmlns:m="http://schemas.openxmlformats.org/officeDocument/2006/math">
+                    <m:sSub>
+                      <m:sSubPr>
+                        <m:ctrlPr>
+                          <a:rPr lang="en-GB" b="1" i="1">
+                            <a:latin typeface="Cambria Math" panose="02040503050406030204" pitchFamily="18" charset="0"/>
+                            <a:ea typeface="Cambria Math" panose="02040503050406030204" pitchFamily="18" charset="0"/>
+                          </a:rPr>
+                        </m:ctrlPr>
+                      </m:sSubPr>
+                      <m:e>
+                        <m:r>
+                          <a:rPr lang="en-GB" b="1" i="1">
+                            <a:latin typeface="Cambria Math" panose="02040503050406030204" pitchFamily="18" charset="0"/>
+                            <a:ea typeface="Cambria Math" panose="02040503050406030204" pitchFamily="18" charset="0"/>
+                          </a:rPr>
+                          <m:t>𝒇</m:t>
+                        </m:r>
+                      </m:e>
+                      <m:sub>
+                        <m:r>
+                          <a:rPr lang="en-GB" b="1" i="1">
+                            <a:solidFill>
+                              <a:srgbClr val="0432FF"/>
+                            </a:solidFill>
+                            <a:latin typeface="Cambria Math" panose="02040503050406030204" pitchFamily="18" charset="0"/>
+                            <a:ea typeface="Cambria Math" panose="02040503050406030204" pitchFamily="18" charset="0"/>
+                          </a:rPr>
+                          <m:t>𝑹</m:t>
+                        </m:r>
+                      </m:sub>
+                    </m:sSub>
+                  </m:oMath>
+                </a14:m>
+                <a:r>
+                  <a:rPr kumimoji="0" lang="en-US" b="1" i="0" u="none" strike="noStrike" kern="1200" cap="none" spc="0" normalizeH="0" noProof="0" dirty="0" smtClean="0">
+                    <a:ln>
+                      <a:noFill/>
+                    </a:ln>
+                    <a:solidFill>
+                      <a:prstClr val="black"/>
+                    </a:solidFill>
+                    <a:effectLst/>
+                    <a:uLnTx/>
+                    <a:uFillTx/>
+                    <a:latin typeface="Arial" panose="020B0604020202020204" pitchFamily="34" charset="0"/>
+                    <a:cs typeface="Arial" panose="020B0604020202020204" pitchFamily="34" charset="0"/>
+                  </a:rPr>
+                  <a:t>, </a:t>
+                </a:r>
+                <a14:m>
+                  <m:oMath xmlns:m="http://schemas.openxmlformats.org/officeDocument/2006/math">
+                    <m:sSub>
+                      <m:sSubPr>
+                        <m:ctrlPr>
+                          <a:rPr lang="en-GB" b="1" i="1">
+                            <a:latin typeface="Cambria Math" panose="02040503050406030204" pitchFamily="18" charset="0"/>
+                            <a:ea typeface="Cambria Math" panose="02040503050406030204" pitchFamily="18" charset="0"/>
+                          </a:rPr>
+                        </m:ctrlPr>
+                      </m:sSubPr>
+                      <m:e>
+                        <m:r>
+                          <a:rPr lang="en-GB" b="1" i="1">
+                            <a:latin typeface="Cambria Math" panose="02040503050406030204" pitchFamily="18" charset="0"/>
+                            <a:ea typeface="Cambria Math" panose="02040503050406030204" pitchFamily="18" charset="0"/>
+                          </a:rPr>
+                          <m:t>𝒇</m:t>
+                        </m:r>
+                      </m:e>
+                      <m:sub>
+                        <m:r>
+                          <a:rPr lang="en-GB" b="1" i="1">
+                            <a:solidFill>
+                              <a:srgbClr val="AB7942"/>
+                            </a:solidFill>
+                            <a:latin typeface="Cambria Math" panose="02040503050406030204" pitchFamily="18" charset="0"/>
+                            <a:ea typeface="Cambria Math" panose="02040503050406030204" pitchFamily="18" charset="0"/>
+                          </a:rPr>
+                          <m:t>𝑸</m:t>
+                        </m:r>
+                      </m:sub>
+                    </m:sSub>
+                  </m:oMath>
+                </a14:m>
+                <a:r>
+                  <a:rPr kumimoji="0" lang="en-US" b="1" i="0" u="none" strike="noStrike" kern="1200" cap="none" spc="0" normalizeH="0" noProof="0" dirty="0" smtClean="0">
+                    <a:ln>
+                      <a:noFill/>
+                    </a:ln>
+                    <a:solidFill>
+                      <a:prstClr val="black"/>
+                    </a:solidFill>
+                    <a:effectLst/>
+                    <a:uLnTx/>
+                    <a:uFillTx/>
+                    <a:latin typeface="Arial" panose="020B0604020202020204" pitchFamily="34" charset="0"/>
+                    <a:cs typeface="Arial" panose="020B0604020202020204" pitchFamily="34" charset="0"/>
+                  </a:rPr>
+                  <a:t>, </a:t>
+                </a:r>
+                <a14:m>
+                  <m:oMath xmlns:m="http://schemas.openxmlformats.org/officeDocument/2006/math">
+                    <m:sSub>
+                      <m:sSubPr>
+                        <m:ctrlPr>
+                          <a:rPr lang="en-GB" b="1" i="1">
+                            <a:latin typeface="Cambria Math" panose="02040503050406030204" pitchFamily="18" charset="0"/>
+                            <a:ea typeface="Cambria Math" panose="02040503050406030204" pitchFamily="18" charset="0"/>
+                          </a:rPr>
+                        </m:ctrlPr>
+                      </m:sSubPr>
+                      <m:e>
+                        <m:r>
+                          <a:rPr lang="en-GB" b="1" i="1">
+                            <a:latin typeface="Cambria Math" panose="02040503050406030204" pitchFamily="18" charset="0"/>
+                            <a:ea typeface="Cambria Math" panose="02040503050406030204" pitchFamily="18" charset="0"/>
+                          </a:rPr>
+                          <m:t>𝒇</m:t>
+                        </m:r>
+                      </m:e>
+                      <m:sub>
+                        <m:r>
+                          <a:rPr lang="en-GB" b="1" i="1">
+                            <a:solidFill>
+                              <a:srgbClr val="FF0000"/>
+                            </a:solidFill>
+                            <a:latin typeface="Cambria Math" panose="02040503050406030204" pitchFamily="18" charset="0"/>
+                            <a:ea typeface="Cambria Math" panose="02040503050406030204" pitchFamily="18" charset="0"/>
+                          </a:rPr>
+                          <m:t>𝑿</m:t>
+                        </m:r>
+                      </m:sub>
+                    </m:sSub>
+                  </m:oMath>
+                </a14:m>
+                <a:r>
+                  <a:rPr kumimoji="0" lang="en-US" b="1" i="0" u="none" strike="noStrike" kern="1200" cap="none" spc="0" normalizeH="0" baseline="0" noProof="0" dirty="0" smtClean="0">
+                    <a:ln>
+                      <a:noFill/>
+                    </a:ln>
+                    <a:solidFill>
+                      <a:prstClr val="black"/>
+                    </a:solidFill>
+                    <a:effectLst/>
+                    <a:uLnTx/>
+                    <a:uFillTx/>
+                    <a:latin typeface="Arial" panose="020B0604020202020204" pitchFamily="34" charset="0"/>
+                    <a:cs typeface="Arial" panose="020B0604020202020204" pitchFamily="34" charset="0"/>
+                  </a:rPr>
+                  <a:t>, </a:t>
+                </a:r>
+                <a14:m>
+                  <m:oMath xmlns:m="http://schemas.openxmlformats.org/officeDocument/2006/math">
+                    <m:r>
+                      <a:rPr lang="en-GB" b="1" i="1">
+                        <a:latin typeface="Cambria Math" panose="02040503050406030204" pitchFamily="18" charset="0"/>
+                        <a:ea typeface="Cambria Math" panose="02040503050406030204" pitchFamily="18" charset="0"/>
+                      </a:rPr>
+                      <m:t>𝒇</m:t>
+                    </m:r>
+                    <m:r>
+                      <a:rPr lang="en-GB" b="1" i="1" baseline="-25000">
+                        <a:solidFill>
+                          <a:schemeClr val="bg1">
+                            <a:lumMod val="50000"/>
+                          </a:schemeClr>
+                        </a:solidFill>
+                        <a:latin typeface="Cambria Math" panose="02040503050406030204" pitchFamily="18" charset="0"/>
+                        <a:ea typeface="Cambria Math" panose="02040503050406030204" pitchFamily="18" charset="0"/>
+                      </a:rPr>
+                      <m:t>𝑼</m:t>
+                    </m:r>
+                  </m:oMath>
+                </a14:m>
+                <a:r>
+                  <a:rPr kumimoji="0" lang="en-US" b="1" i="0" u="none" strike="noStrike" kern="1200" cap="none" spc="0" normalizeH="0" baseline="0" noProof="0" dirty="0" smtClean="0">
+                    <a:ln>
+                      <a:noFill/>
+                    </a:ln>
+                    <a:solidFill>
+                      <a:prstClr val="black"/>
+                    </a:solidFill>
+                    <a:effectLst/>
+                    <a:uLnTx/>
+                    <a:uFillTx/>
+                    <a:latin typeface="Arial" panose="020B0604020202020204" pitchFamily="34" charset="0"/>
+                    <a:cs typeface="Arial" panose="020B0604020202020204" pitchFamily="34" charset="0"/>
+                  </a:rPr>
+                  <a:t> </a:t>
+                </a:r>
+                <a:r>
+                  <a:rPr lang="en-US" b="1" dirty="0">
+                    <a:solidFill>
+                      <a:prstClr val="black"/>
+                    </a:solidFill>
+                    <a:latin typeface="Arial" panose="020B0604020202020204" pitchFamily="34" charset="0"/>
+                    <a:cs typeface="Arial" panose="020B0604020202020204" pitchFamily="34" charset="0"/>
+                  </a:rPr>
+                  <a:t>dynamically set ?</a:t>
+                </a:r>
+                <a:endParaRPr kumimoji="0" lang="en-US" b="1" i="0" u="none" strike="noStrike" kern="1200" cap="none" spc="0" normalizeH="0" baseline="0" noProof="0" dirty="0">
+                  <a:ln>
+                    <a:noFill/>
+                  </a:ln>
+                  <a:solidFill>
+                    <a:prstClr val="black"/>
+                  </a:solidFill>
+                  <a:effectLst/>
+                  <a:uLnTx/>
+                  <a:uFillTx/>
+                  <a:latin typeface="Arial" panose="020B0604020202020204" pitchFamily="34" charset="0"/>
+                  <a:cs typeface="Arial" panose="020B0604020202020204" pitchFamily="34" charset="0"/>
+                </a:endParaRPr>
+              </a:p>
+            </p:txBody>
+          </p:sp>
+        </mc:Choice>
+        <mc:Fallback>
+          <p:sp>
+            <p:nvSpPr>
+              <p:cNvPr id="19" name="TextBox 13">
+                <a:extLst>
+                  <a:ext uri="{FF2B5EF4-FFF2-40B4-BE49-F238E27FC236}">
+                    <a16:creationId xmlns:a16="http://schemas.microsoft.com/office/drawing/2014/main" id="{9322229B-D04A-594E-9C05-F29C7BE5B2E4}"/>
+                  </a:ext>
+                </a:extLst>
+              </p:cNvPr>
+              <p:cNvSpPr txBox="1">
+                <a:spLocks noRot="1" noChangeAspect="1" noMove="1" noResize="1" noEditPoints="1" noAdjustHandles="1" noChangeArrowheads="1" noChangeShapeType="1" noTextEdit="1"/>
+              </p:cNvSpPr>
+              <p:nvPr/>
+            </p:nvSpPr>
+            <p:spPr>
+              <a:xfrm>
+                <a:off x="1057767" y="231595"/>
+                <a:ext cx="4921463" cy="388889"/>
+              </a:xfrm>
+              <a:prstGeom prst="rect">
+                <a:avLst/>
+              </a:prstGeom>
+              <a:blipFill>
+                <a:blip r:embed="rId9"/>
+                <a:stretch>
+                  <a:fillRect l="-496" t="-9375" r="-372" b="-18750"/>
+                </a:stretch>
+              </a:blipFill>
+            </p:spPr>
+            <p:txBody>
+              <a:bodyPr/>
+              <a:lstStyle/>
+              <a:p>
+                <a:r>
+                  <a:rPr lang="en-US">
+                    <a:noFill/>
+                  </a:rPr>
+                  <a:t> </a:t>
+                </a:r>
+              </a:p>
+            </p:txBody>
+          </p:sp>
+        </mc:Fallback>
+      </mc:AlternateContent>
+      <p:sp>
+        <p:nvSpPr>
+          <p:cNvPr id="20" name="TextBox 15">
+            <a:extLst>
+              <a:ext uri="{FF2B5EF4-FFF2-40B4-BE49-F238E27FC236}">
+                <a16:creationId xmlns:a16="http://schemas.microsoft.com/office/drawing/2014/main" id="{0692EC20-3350-D449-892A-494FCEAED6A2}"/>
+              </a:ext>
+            </a:extLst>
+          </p:cNvPr>
+          <p:cNvSpPr txBox="1"/>
+          <p:nvPr/>
+        </p:nvSpPr>
+        <p:spPr>
+          <a:xfrm>
+            <a:off x="3518498" y="3128980"/>
+            <a:ext cx="2746391" cy="492443"/>
+          </a:xfrm>
+          <a:prstGeom prst="rect">
+            <a:avLst/>
+          </a:prstGeom>
+          <a:noFill/>
+        </p:spPr>
+        <p:txBody>
+          <a:bodyPr wrap="square" rtlCol="0">
+            <a:spAutoFit/>
+          </a:bodyPr>
+          <a:lstStyle/>
+          <a:p>
+            <a:pPr marL="0" marR="0" lvl="0" indent="0" algn="ctr" defTabSz="914400" rtl="0" eaLnBrk="1" fontAlgn="auto" latinLnBrk="0" hangingPunct="1">
+              <a:lnSpc>
+                <a:spcPct val="100000"/>
+              </a:lnSpc>
+              <a:spcBef>
+                <a:spcPts val="0"/>
+              </a:spcBef>
+              <a:spcAft>
+                <a:spcPts val="0"/>
+              </a:spcAft>
+              <a:buClrTx/>
+              <a:buSzTx/>
+              <a:buFontTx/>
+              <a:buNone/>
+              <a:tabLst/>
+              <a:defRPr/>
+            </a:pPr>
+            <a:r>
+              <a:rPr kumimoji="0" lang="en-US" sz="1300" b="0" i="1" u="none" strike="noStrike" kern="1200" cap="none" spc="0" normalizeH="0" baseline="0" noProof="0" dirty="0" smtClean="0">
+                <a:ln>
+                  <a:noFill/>
+                </a:ln>
+                <a:solidFill>
+                  <a:prstClr val="black"/>
+                </a:solidFill>
+                <a:effectLst/>
+                <a:uLnTx/>
+                <a:uFillTx/>
+                <a:latin typeface="Arial" panose="020B0604020202020204" pitchFamily="34" charset="0"/>
+                <a:ea typeface="+mn-ea"/>
+                <a:cs typeface="Arial" panose="020B0604020202020204" pitchFamily="34" charset="0"/>
+              </a:rPr>
+              <a:t>Remainder</a:t>
+            </a:r>
+            <a:r>
+              <a:rPr kumimoji="0" lang="en-US" sz="1300" b="0" i="1" u="none" strike="noStrike" kern="1200" cap="none" spc="0" normalizeH="0" noProof="0" dirty="0" smtClean="0">
+                <a:ln>
+                  <a:noFill/>
+                </a:ln>
+                <a:solidFill>
+                  <a:prstClr val="black"/>
+                </a:solidFill>
+                <a:effectLst/>
+                <a:uLnTx/>
+                <a:uFillTx/>
+                <a:latin typeface="Arial" panose="020B0604020202020204" pitchFamily="34" charset="0"/>
+                <a:ea typeface="+mn-ea"/>
+                <a:cs typeface="Arial" panose="020B0604020202020204" pitchFamily="34" charset="0"/>
+              </a:rPr>
+              <a:t> allocated </a:t>
+            </a:r>
+          </a:p>
+          <a:p>
+            <a:pPr marL="0" marR="0" lvl="0" indent="0" algn="ctr" defTabSz="914400" rtl="0" eaLnBrk="1" fontAlgn="auto" latinLnBrk="0" hangingPunct="1">
+              <a:lnSpc>
+                <a:spcPct val="100000"/>
+              </a:lnSpc>
+              <a:spcBef>
+                <a:spcPts val="0"/>
+              </a:spcBef>
+              <a:spcAft>
+                <a:spcPts val="0"/>
+              </a:spcAft>
+              <a:buClrTx/>
+              <a:buSzTx/>
+              <a:buFontTx/>
+              <a:buNone/>
+              <a:tabLst/>
+              <a:defRPr/>
+            </a:pPr>
+            <a:r>
+              <a:rPr kumimoji="0" lang="en-US" sz="1300" b="0" i="1" u="none" strike="noStrike" kern="1200" cap="none" spc="0" normalizeH="0" noProof="0" dirty="0" smtClean="0">
+                <a:ln>
+                  <a:noFill/>
+                </a:ln>
+                <a:solidFill>
+                  <a:prstClr val="black"/>
+                </a:solidFill>
+                <a:effectLst/>
+                <a:uLnTx/>
+                <a:uFillTx/>
+                <a:latin typeface="Arial" panose="020B0604020202020204" pitchFamily="34" charset="0"/>
+                <a:ea typeface="+mn-ea"/>
+                <a:cs typeface="Arial" panose="020B0604020202020204" pitchFamily="34" charset="0"/>
+              </a:rPr>
+              <a:t>to E proteins</a:t>
+            </a:r>
+            <a:endParaRPr kumimoji="0" lang="en-US" sz="1300" b="0" i="1" u="none" strike="noStrike" kern="1200" cap="none" spc="0" normalizeH="0" baseline="0" noProof="0" dirty="0">
+              <a:ln>
+                <a:noFill/>
+              </a:ln>
+              <a:solidFill>
+                <a:prstClr val="black"/>
+              </a:solidFill>
+              <a:effectLst/>
+              <a:uLnTx/>
+              <a:uFillTx/>
+              <a:latin typeface="Arial" panose="020B0604020202020204" pitchFamily="34" charset="0"/>
+              <a:ea typeface="+mn-ea"/>
+              <a:cs typeface="Arial" panose="020B0604020202020204" pitchFamily="34" charset="0"/>
+            </a:endParaRPr>
+          </a:p>
+        </p:txBody>
+      </p:sp>
+      <mc:AlternateContent xmlns:mc="http://schemas.openxmlformats.org/markup-compatibility/2006">
+        <mc:Choice xmlns:a14="http://schemas.microsoft.com/office/drawing/2010/main" Requires="a14">
+          <p:sp>
+            <p:nvSpPr>
+              <p:cNvPr id="21" name="Rounded Rectangle 9">
+                <a:extLst>
+                  <a:ext uri="{FF2B5EF4-FFF2-40B4-BE49-F238E27FC236}">
+                    <a16:creationId xmlns:a16="http://schemas.microsoft.com/office/drawing/2014/main" id="{DE90D1B4-0084-F844-9427-BE684323917F}"/>
+                  </a:ext>
+                </a:extLst>
+              </p:cNvPr>
+              <p:cNvSpPr/>
+              <p:nvPr/>
+            </p:nvSpPr>
+            <p:spPr>
+              <a:xfrm>
+                <a:off x="2177639" y="1923236"/>
+                <a:ext cx="951094" cy="275036"/>
+              </a:xfrm>
+              <a:prstGeom prst="roundRect">
+                <a:avLst>
+                  <a:gd name="adj" fmla="val 35486"/>
+                </a:avLst>
+              </a:prstGeom>
+              <a:noFill/>
+              <a:ln w="28575" cmpd="sng">
+                <a:solidFill>
+                  <a:schemeClr val="accent3"/>
+                </a:solidFill>
+              </a:ln>
+            </p:spPr>
+            <p:style>
+              <a:lnRef idx="1">
+                <a:schemeClr val="accent1"/>
+              </a:lnRef>
+              <a:fillRef idx="3">
+                <a:schemeClr val="accent1"/>
+              </a:fillRef>
+              <a:effectRef idx="2">
+                <a:schemeClr val="accent1"/>
+              </a:effectRef>
+              <a:fontRef idx="minor">
+                <a:schemeClr val="lt1"/>
+              </a:fontRef>
+            </p:style>
+            <p:txBody>
+              <a:bodyPr rtlCol="0" anchor="ctr"/>
+              <a:lstStyle/>
+              <a:p>
+                <a:pPr algn="ctr"/>
+                <a14:m>
+                  <m:oMathPara xmlns:m="http://schemas.openxmlformats.org/officeDocument/2006/math">
+                    <m:oMathParaPr>
+                      <m:jc m:val="centerGroup"/>
+                    </m:oMathParaPr>
+                    <m:oMath xmlns:m="http://schemas.openxmlformats.org/officeDocument/2006/math">
+                      <m:sSub>
+                        <m:sSubPr>
+                          <m:ctrlPr>
+                            <a:rPr lang="en-GB" sz="1400" b="1" i="1" smtClean="0">
+                              <a:latin typeface="Cambria Math" panose="02040503050406030204" pitchFamily="18" charset="0"/>
+                              <a:ea typeface="Cambria Math" panose="02040503050406030204" pitchFamily="18" charset="0"/>
+                            </a:rPr>
+                          </m:ctrlPr>
+                        </m:sSubPr>
+                        <m:e>
+                          <m:r>
+                            <a:rPr lang="en-GB" sz="1400" i="1">
+                              <a:solidFill>
+                                <a:schemeClr val="tx1"/>
+                              </a:solidFill>
+                              <a:latin typeface="Cambria Math" panose="02040503050406030204" pitchFamily="18" charset="0"/>
+                              <a:ea typeface="Cambria Math" panose="02040503050406030204" pitchFamily="18" charset="0"/>
+                            </a:rPr>
+                            <m:t>𝑓</m:t>
+                          </m:r>
+                        </m:e>
+                        <m:sub>
+                          <m:r>
+                            <a:rPr lang="en-US" sz="1400" b="0" i="1" smtClean="0">
+                              <a:solidFill>
+                                <a:srgbClr val="A5A5A5"/>
+                              </a:solidFill>
+                              <a:latin typeface="Cambria Math" panose="02040503050406030204" pitchFamily="18" charset="0"/>
+                              <a:ea typeface="Cambria Math" panose="02040503050406030204" pitchFamily="18" charset="0"/>
+                            </a:rPr>
+                            <m:t>𝑈</m:t>
+                          </m:r>
+                        </m:sub>
+                      </m:sSub>
+                    </m:oMath>
+                  </m:oMathPara>
+                </a14:m>
+                <a:endParaRPr lang="en-US" sz="1200" dirty="0">
+                  <a:solidFill>
+                    <a:prstClr val="black"/>
+                  </a:solidFill>
+                  <a:latin typeface="Arial" panose="020B0604020202020204" pitchFamily="34" charset="0"/>
+                  <a:cs typeface="Arial" panose="020B0604020202020204" pitchFamily="34" charset="0"/>
+                </a:endParaRPr>
+              </a:p>
+            </p:txBody>
+          </p:sp>
+        </mc:Choice>
+        <mc:Fallback>
+          <p:sp>
+            <p:nvSpPr>
+              <p:cNvPr id="21" name="Rounded Rectangle 9">
+                <a:extLst>
+                  <a:ext uri="{FF2B5EF4-FFF2-40B4-BE49-F238E27FC236}">
+                    <a16:creationId xmlns:a16="http://schemas.microsoft.com/office/drawing/2014/main" id="{DE90D1B4-0084-F844-9427-BE684323917F}"/>
+                  </a:ext>
+                </a:extLst>
+              </p:cNvPr>
+              <p:cNvSpPr>
+                <a:spLocks noRot="1" noChangeAspect="1" noMove="1" noResize="1" noEditPoints="1" noAdjustHandles="1" noChangeArrowheads="1" noChangeShapeType="1" noTextEdit="1"/>
+              </p:cNvSpPr>
+              <p:nvPr/>
+            </p:nvSpPr>
+            <p:spPr>
+              <a:xfrm>
+                <a:off x="2177639" y="1923236"/>
+                <a:ext cx="951094" cy="275036"/>
+              </a:xfrm>
+              <a:prstGeom prst="roundRect">
+                <a:avLst>
+                  <a:gd name="adj" fmla="val 35486"/>
+                </a:avLst>
+              </a:prstGeom>
+              <a:blipFill>
+                <a:blip r:embed="rId10"/>
+                <a:stretch>
+                  <a:fillRect b="-7843"/>
+                </a:stretch>
+              </a:blipFill>
+              <a:ln w="28575" cmpd="sng">
+                <a:solidFill>
+                  <a:schemeClr val="accent3"/>
+                </a:solidFill>
+              </a:ln>
+            </p:spPr>
+            <p:txBody>
+              <a:bodyPr/>
+              <a:lstStyle/>
+              <a:p>
+                <a:r>
+                  <a:rPr lang="en-US">
+                    <a:noFill/>
+                  </a:rPr>
+                  <a:t> </a:t>
+                </a:r>
+              </a:p>
+            </p:txBody>
+          </p:sp>
+        </mc:Fallback>
+      </mc:AlternateContent>
+      <p:sp>
+        <p:nvSpPr>
+          <p:cNvPr id="22" name="TextBox 13">
+            <a:extLst>
+              <a:ext uri="{FF2B5EF4-FFF2-40B4-BE49-F238E27FC236}">
+                <a16:creationId xmlns:a16="http://schemas.microsoft.com/office/drawing/2014/main" id="{9322229B-D04A-594E-9C05-F29C7BE5B2E4}"/>
+              </a:ext>
+            </a:extLst>
+          </p:cNvPr>
+          <p:cNvSpPr txBox="1"/>
+          <p:nvPr/>
+        </p:nvSpPr>
+        <p:spPr>
+          <a:xfrm>
+            <a:off x="3161668" y="1891915"/>
+            <a:ext cx="3169895" cy="292388"/>
+          </a:xfrm>
+          <a:prstGeom prst="rect">
+            <a:avLst/>
+          </a:prstGeom>
+          <a:noFill/>
+        </p:spPr>
+        <p:txBody>
+          <a:bodyPr wrap="square" rtlCol="0">
+            <a:spAutoFit/>
+          </a:bodyPr>
+          <a:lstStyle/>
+          <a:p>
+            <a:pPr algn="ctr"/>
+            <a:r>
+              <a:rPr lang="en-US" sz="1300" i="1" dirty="0" smtClean="0">
+                <a:solidFill>
+                  <a:prstClr val="black"/>
+                </a:solidFill>
+                <a:latin typeface="Arial" panose="020B0604020202020204" pitchFamily="34" charset="0"/>
+                <a:cs typeface="Arial" panose="020B0604020202020204" pitchFamily="34" charset="0"/>
+              </a:rPr>
+              <a:t>Imposed </a:t>
+            </a:r>
+            <a:r>
+              <a:rPr lang="en-US" sz="1300" i="1" dirty="0" smtClean="0">
+                <a:solidFill>
+                  <a:prstClr val="black"/>
+                </a:solidFill>
+                <a:latin typeface="Arial" panose="020B0604020202020204" pitchFamily="34" charset="0"/>
+                <a:cs typeface="Arial" panose="020B0604020202020204" pitchFamily="34" charset="0"/>
+              </a:rPr>
+              <a:t>allocation </a:t>
+            </a:r>
+            <a:r>
+              <a:rPr lang="en-US" sz="1300" i="1" dirty="0" smtClean="0">
+                <a:solidFill>
+                  <a:prstClr val="black"/>
+                </a:solidFill>
+                <a:latin typeface="Arial" panose="020B0604020202020204" pitchFamily="34" charset="0"/>
+                <a:cs typeface="Arial" panose="020B0604020202020204" pitchFamily="34" charset="0"/>
+              </a:rPr>
+              <a:t>to useless </a:t>
+            </a:r>
+            <a:r>
+              <a:rPr lang="en-US" sz="1300" i="1" dirty="0" smtClean="0">
+                <a:solidFill>
+                  <a:prstClr val="black"/>
+                </a:solidFill>
+                <a:latin typeface="Arial" panose="020B0604020202020204" pitchFamily="34" charset="0"/>
+                <a:cs typeface="Arial" panose="020B0604020202020204" pitchFamily="34" charset="0"/>
+              </a:rPr>
+              <a:t>proteins</a:t>
+            </a:r>
+          </a:p>
+        </p:txBody>
+      </p:sp>
+    </p:spTree>
+    <p:extLst>
+      <p:ext uri="{BB962C8B-B14F-4D97-AF65-F5344CB8AC3E}">
+        <p14:creationId xmlns:p14="http://schemas.microsoft.com/office/powerpoint/2010/main" val="1969909695"/>
+      </p:ext>
+    </p:extLst>
+  </p:cSld>
+  <p:clrMapOvr>
+    <a:masterClrMapping/>
+  </p:clrMapOvr>
+  <p:timing>
+    <p:tnLst>
+      <p:par>
+        <p:cTn id="1" dur="indefinite" restart="never" nodeType="tmRoot"/>
+      </p:par>
+    </p:tnLst>
+  </p:timing>
+</p:sld>
+</file>
+
+<file path=ppt/slides/slide3.xml><?xml version="1.0" encoding="utf-8"?>
 <p:sld xmlns:a="http://schemas.openxmlformats.org/drawingml/2006/main" xmlns:r="http://schemas.openxmlformats.org/officeDocument/2006/relationships" xmlns:p="http://schemas.openxmlformats.org/presentationml/2006/main">
   <p:cSld>
     <p:spTree>
@@ -6936,17 +9617,7 @@
                             <a:latin typeface="Cambria Math" panose="02040503050406030204" pitchFamily="18" charset="0"/>
                             <a:ea typeface="Cambria Math" panose="02040503050406030204" pitchFamily="18" charset="0"/>
                           </a:rPr>
-                          <m:t>1</m:t>
-                        </m:r>
-                        <m:r>
-                          <a:rPr lang="en-US" sz="1000" b="0" i="1" smtClean="0">
-                            <a:solidFill>
-                              <a:schemeClr val="tx1"/>
-                            </a:solidFill>
-                            <a:latin typeface="Cambria Math" panose="02040503050406030204" pitchFamily="18" charset="0"/>
-                            <a:ea typeface="Cambria Math" panose="02040503050406030204" pitchFamily="18" charset="0"/>
-                          </a:rPr>
-                          <m:t>−</m:t>
+                          <m:t>1−</m:t>
                         </m:r>
                         <m:sSub>
                           <m:sSubPr>
@@ -7063,17 +9734,7 @@
                             <a:latin typeface="Cambria Math" panose="02040503050406030204" pitchFamily="18" charset="0"/>
                             <a:ea typeface="Cambria Math" panose="02040503050406030204" pitchFamily="18" charset="0"/>
                           </a:rPr>
-                          <m:t>1</m:t>
-                        </m:r>
-                        <m:r>
-                          <a:rPr lang="en-US" sz="1000" i="1">
-                            <a:solidFill>
-                              <a:schemeClr val="tx1"/>
-                            </a:solidFill>
-                            <a:latin typeface="Cambria Math" panose="02040503050406030204" pitchFamily="18" charset="0"/>
-                            <a:ea typeface="Cambria Math" panose="02040503050406030204" pitchFamily="18" charset="0"/>
-                          </a:rPr>
-                          <m:t>−</m:t>
+                          <m:t>1−</m:t>
                         </m:r>
                         <m:sSub>
                           <m:sSubPr>
@@ -7271,17 +9932,7 @@
                             <a:latin typeface="Cambria Math" panose="02040503050406030204" pitchFamily="18" charset="0"/>
                             <a:ea typeface="Cambria Math" panose="02040503050406030204" pitchFamily="18" charset="0"/>
                           </a:rPr>
-                          <m:t>≪</m:t>
-                        </m:r>
-                        <m:r>
-                          <a:rPr lang="en-US" sz="1400" b="0" i="1" smtClean="0">
-                            <a:solidFill>
-                              <a:schemeClr val="tx1"/>
-                            </a:solidFill>
-                            <a:latin typeface="Cambria Math" panose="02040503050406030204" pitchFamily="18" charset="0"/>
-                            <a:ea typeface="Cambria Math" panose="02040503050406030204" pitchFamily="18" charset="0"/>
-                          </a:rPr>
-                          <m:t>1</m:t>
+                          <m:t>≪1</m:t>
                         </m:r>
                       </m:oMath>
                     </m:oMathPara>
@@ -8992,6 +11643,13 @@
   <p:clrMapOvr>
     <a:masterClrMapping/>
   </p:clrMapOvr>
+  <p:timing>
+    <p:tnLst>
+      <p:par>
+        <p:cTn id="1" dur="indefinite" restart="never" nodeType="tmRoot"/>
+      </p:par>
+    </p:tnLst>
+  </p:timing>
 </p:sld>
 </file>
 

--- a/figure-assembly/figure-1-components/panel_model_cartoon.pptx
+++ b/figure-assembly/figure-1-components/panel_model_cartoon.pptx
@@ -261,7 +261,7 @@
           <a:p>
             <a:fld id="{3D0D4C98-D5D6-1C45-B38F-9D83B19E74F8}" type="datetimeFigureOut">
               <a:rPr lang="en-US" smtClean="0"/>
-              <a:t>2019-10-29</a:t>
+              <a:t>2019-11-09</a:t>
             </a:fld>
             <a:endParaRPr lang="en-US"/>
           </a:p>
@@ -459,7 +459,7 @@
           <a:p>
             <a:fld id="{3D0D4C98-D5D6-1C45-B38F-9D83B19E74F8}" type="datetimeFigureOut">
               <a:rPr lang="en-US" smtClean="0"/>
-              <a:t>2019-10-29</a:t>
+              <a:t>2019-11-09</a:t>
             </a:fld>
             <a:endParaRPr lang="en-US"/>
           </a:p>
@@ -667,7 +667,7 @@
           <a:p>
             <a:fld id="{3D0D4C98-D5D6-1C45-B38F-9D83B19E74F8}" type="datetimeFigureOut">
               <a:rPr lang="en-US" smtClean="0"/>
-              <a:t>2019-10-29</a:t>
+              <a:t>2019-11-09</a:t>
             </a:fld>
             <a:endParaRPr lang="en-US"/>
           </a:p>
@@ -865,7 +865,7 @@
           <a:p>
             <a:fld id="{3D0D4C98-D5D6-1C45-B38F-9D83B19E74F8}" type="datetimeFigureOut">
               <a:rPr lang="en-US" smtClean="0"/>
-              <a:t>2019-10-29</a:t>
+              <a:t>2019-11-09</a:t>
             </a:fld>
             <a:endParaRPr lang="en-US"/>
           </a:p>
@@ -1140,7 +1140,7 @@
           <a:p>
             <a:fld id="{3D0D4C98-D5D6-1C45-B38F-9D83B19E74F8}" type="datetimeFigureOut">
               <a:rPr lang="en-US" smtClean="0"/>
-              <a:t>2019-10-29</a:t>
+              <a:t>2019-11-09</a:t>
             </a:fld>
             <a:endParaRPr lang="en-US"/>
           </a:p>
@@ -1405,7 +1405,7 @@
           <a:p>
             <a:fld id="{3D0D4C98-D5D6-1C45-B38F-9D83B19E74F8}" type="datetimeFigureOut">
               <a:rPr lang="en-US" smtClean="0"/>
-              <a:t>2019-10-29</a:t>
+              <a:t>2019-11-09</a:t>
             </a:fld>
             <a:endParaRPr lang="en-US"/>
           </a:p>
@@ -1817,7 +1817,7 @@
           <a:p>
             <a:fld id="{3D0D4C98-D5D6-1C45-B38F-9D83B19E74F8}" type="datetimeFigureOut">
               <a:rPr lang="en-US" smtClean="0"/>
-              <a:t>2019-10-29</a:t>
+              <a:t>2019-11-09</a:t>
             </a:fld>
             <a:endParaRPr lang="en-US"/>
           </a:p>
@@ -1958,7 +1958,7 @@
           <a:p>
             <a:fld id="{3D0D4C98-D5D6-1C45-B38F-9D83B19E74F8}" type="datetimeFigureOut">
               <a:rPr lang="en-US" smtClean="0"/>
-              <a:t>2019-10-29</a:t>
+              <a:t>2019-11-09</a:t>
             </a:fld>
             <a:endParaRPr lang="en-US"/>
           </a:p>
@@ -2071,7 +2071,7 @@
           <a:p>
             <a:fld id="{3D0D4C98-D5D6-1C45-B38F-9D83B19E74F8}" type="datetimeFigureOut">
               <a:rPr lang="en-US" smtClean="0"/>
-              <a:t>2019-10-29</a:t>
+              <a:t>2019-11-09</a:t>
             </a:fld>
             <a:endParaRPr lang="en-US"/>
           </a:p>
@@ -2382,7 +2382,7 @@
           <a:p>
             <a:fld id="{3D0D4C98-D5D6-1C45-B38F-9D83B19E74F8}" type="datetimeFigureOut">
               <a:rPr lang="en-US" smtClean="0"/>
-              <a:t>2019-10-29</a:t>
+              <a:t>2019-11-09</a:t>
             </a:fld>
             <a:endParaRPr lang="en-US"/>
           </a:p>
@@ -2670,7 +2670,7 @@
           <a:p>
             <a:fld id="{3D0D4C98-D5D6-1C45-B38F-9D83B19E74F8}" type="datetimeFigureOut">
               <a:rPr lang="en-US" smtClean="0"/>
-              <a:t>2019-10-29</a:t>
+              <a:t>2019-11-09</a:t>
             </a:fld>
             <a:endParaRPr lang="en-US"/>
           </a:p>
@@ -2911,7 +2911,7 @@
           <a:p>
             <a:fld id="{3D0D4C98-D5D6-1C45-B38F-9D83B19E74F8}" type="datetimeFigureOut">
               <a:rPr lang="en-US" smtClean="0"/>
-              <a:t>2019-10-29</a:t>
+              <a:t>2019-11-09</a:t>
             </a:fld>
             <a:endParaRPr lang="en-US"/>
           </a:p>
@@ -6007,8 +6007,8 @@
             </a:fontRef>
           </p:style>
         </p:cxnSp>
-        <mc:AlternateContent xmlns:mc="http://schemas.openxmlformats.org/markup-compatibility/2006" xmlns:a14="http://schemas.microsoft.com/office/drawing/2010/main">
-          <mc:Choice Requires="a14">
+        <mc:AlternateContent xmlns:mc="http://schemas.openxmlformats.org/markup-compatibility/2006">
+          <mc:Choice xmlns:a14="http://schemas.microsoft.com/office/drawing/2010/main" Requires="a14">
             <p:sp>
               <p:nvSpPr>
                 <p:cNvPr id="76" name="Rectangle 75">
@@ -6023,8 +6023,8 @@
               </p:nvSpPr>
               <p:spPr>
                 <a:xfrm>
-                  <a:off x="4506671" y="2169076"/>
-                  <a:ext cx="406457" cy="307777"/>
+                  <a:off x="4456793" y="2160763"/>
+                  <a:ext cx="469423" cy="369332"/>
                 </a:xfrm>
                 <a:prstGeom prst="rect">
                   <a:avLst/>
@@ -6044,14 +6044,14 @@
                       </m:oMathParaPr>
                       <m:oMath xmlns:m="http://schemas.openxmlformats.org/officeDocument/2006/math">
                         <m:r>
-                          <a:rPr lang="en-GB" sz="1400" i="1">
+                          <a:rPr lang="en-GB" i="1">
                             <a:latin typeface="Cambria Math" panose="02040503050406030204" pitchFamily="18" charset="0"/>
                             <a:ea typeface="Cambria Math" panose="02040503050406030204" pitchFamily="18" charset="0"/>
                           </a:rPr>
                           <m:t>𝑓</m:t>
                         </m:r>
                         <m:r>
-                          <a:rPr lang="en-GB" sz="1400" i="1" baseline="-25000">
+                          <a:rPr lang="en-GB" i="1" baseline="-25000">
                             <a:solidFill>
                               <a:srgbClr val="00B050"/>
                             </a:solidFill>
@@ -6063,12 +6063,12 @@
                       </m:oMath>
                     </m:oMathPara>
                   </a14:m>
-                  <a:endParaRPr lang="en-US" sz="1400" dirty="0"/>
+                  <a:endParaRPr lang="en-US" dirty="0"/>
                 </a:p>
               </p:txBody>
             </p:sp>
           </mc:Choice>
-          <mc:Fallback xmlns="">
+          <mc:Fallback>
             <p:sp>
               <p:nvSpPr>
                 <p:cNvPr id="76" name="Rectangle 75">
@@ -6085,8 +6085,8 @@
               </p:nvSpPr>
               <p:spPr>
                 <a:xfrm>
-                  <a:off x="4506671" y="2169076"/>
-                  <a:ext cx="406457" cy="307777"/>
+                  <a:off x="4456793" y="2160763"/>
+                  <a:ext cx="469423" cy="369332"/>
                 </a:xfrm>
                 <a:prstGeom prst="rect">
                   <a:avLst/>
@@ -6094,7 +6094,7 @@
                 <a:blipFill>
                   <a:blip r:embed="rId5"/>
                   <a:stretch>
-                    <a:fillRect b="-8000"/>
+                    <a:fillRect b="-13115"/>
                   </a:stretch>
                 </a:blipFill>
               </p:spPr>
@@ -6113,8 +6113,8 @@
             </p:sp>
           </mc:Fallback>
         </mc:AlternateContent>
-        <mc:AlternateContent xmlns:mc="http://schemas.openxmlformats.org/markup-compatibility/2006" xmlns:a14="http://schemas.microsoft.com/office/drawing/2010/main">
-          <mc:Choice Requires="a14">
+        <mc:AlternateContent xmlns:mc="http://schemas.openxmlformats.org/markup-compatibility/2006">
+          <mc:Choice xmlns:a14="http://schemas.microsoft.com/office/drawing/2010/main" Requires="a14">
             <p:sp>
               <p:nvSpPr>
                 <p:cNvPr id="77" name="Rectangle 76">
@@ -6129,8 +6129,8 @@
               </p:nvSpPr>
               <p:spPr>
                 <a:xfrm>
-                  <a:off x="4538236" y="3075271"/>
-                  <a:ext cx="394082" cy="307777"/>
+                  <a:off x="4529923" y="3091897"/>
+                  <a:ext cx="453394" cy="369332"/>
                 </a:xfrm>
                 <a:prstGeom prst="rect">
                   <a:avLst/>
@@ -6152,7 +6152,7 @@
                         <m:sSub>
                           <m:sSubPr>
                             <m:ctrlPr>
-                              <a:rPr lang="en-GB" sz="1400" i="1">
+                              <a:rPr lang="en-GB" i="1">
                                 <a:latin typeface="Cambria Math" panose="02040503050406030204" pitchFamily="18" charset="0"/>
                                 <a:ea typeface="Cambria Math" panose="02040503050406030204" pitchFamily="18" charset="0"/>
                               </a:rPr>
@@ -6160,7 +6160,7 @@
                           </m:sSubPr>
                           <m:e>
                             <m:r>
-                              <a:rPr lang="en-GB" sz="1400" i="1">
+                              <a:rPr lang="en-GB" i="1">
                                 <a:latin typeface="Cambria Math" panose="02040503050406030204" pitchFamily="18" charset="0"/>
                                 <a:ea typeface="Cambria Math" panose="02040503050406030204" pitchFamily="18" charset="0"/>
                               </a:rPr>
@@ -6169,7 +6169,7 @@
                           </m:e>
                           <m:sub>
                             <m:r>
-                              <a:rPr lang="en-GB" sz="1400" i="1">
+                              <a:rPr lang="en-GB" i="1">
                                 <a:solidFill>
                                   <a:srgbClr val="0432FF"/>
                                 </a:solidFill>
@@ -6183,12 +6183,12 @@
                       </m:oMath>
                     </m:oMathPara>
                   </a14:m>
-                  <a:endParaRPr lang="en-US" sz="1400" dirty="0"/>
+                  <a:endParaRPr lang="en-US" dirty="0"/>
                 </a:p>
               </p:txBody>
             </p:sp>
           </mc:Choice>
-          <mc:Fallback xmlns="">
+          <mc:Fallback>
             <p:sp>
               <p:nvSpPr>
                 <p:cNvPr id="77" name="Rectangle 76">
@@ -6205,8 +6205,8 @@
               </p:nvSpPr>
               <p:spPr>
                 <a:xfrm>
-                  <a:off x="4538236" y="3075271"/>
-                  <a:ext cx="394082" cy="307777"/>
+                  <a:off x="4529923" y="3091897"/>
+                  <a:ext cx="453394" cy="369332"/>
                 </a:xfrm>
                 <a:prstGeom prst="rect">
                   <a:avLst/>
@@ -6214,7 +6214,7 @@
                 <a:blipFill>
                   <a:blip r:embed="rId6"/>
                   <a:stretch>
-                    <a:fillRect b="-5882"/>
+                    <a:fillRect b="-13115"/>
                   </a:stretch>
                 </a:blipFill>
               </p:spPr>
@@ -6233,8 +6233,8 @@
             </p:sp>
           </mc:Fallback>
         </mc:AlternateContent>
-        <mc:AlternateContent xmlns:mc="http://schemas.openxmlformats.org/markup-compatibility/2006" xmlns:a14="http://schemas.microsoft.com/office/drawing/2010/main">
-          <mc:Choice Requires="a14">
+        <mc:AlternateContent xmlns:mc="http://schemas.openxmlformats.org/markup-compatibility/2006">
+          <mc:Choice xmlns:a14="http://schemas.microsoft.com/office/drawing/2010/main" Requires="a14">
             <p:sp>
               <p:nvSpPr>
                 <p:cNvPr id="78" name="Rectangle 77">
@@ -6249,8 +6249,8 @@
               </p:nvSpPr>
               <p:spPr>
                 <a:xfrm>
-                  <a:off x="5494101" y="2484079"/>
-                  <a:ext cx="409406" cy="307777"/>
+                  <a:off x="5452538" y="2425888"/>
+                  <a:ext cx="474489" cy="369332"/>
                 </a:xfrm>
                 <a:prstGeom prst="rect">
                   <a:avLst/>
@@ -6270,14 +6270,14 @@
                       </m:oMathParaPr>
                       <m:oMath xmlns:m="http://schemas.openxmlformats.org/officeDocument/2006/math">
                         <m:r>
-                          <a:rPr lang="en-GB" sz="1400" i="1">
+                          <a:rPr lang="en-GB" i="1">
                             <a:latin typeface="Cambria Math" panose="02040503050406030204" pitchFamily="18" charset="0"/>
                             <a:ea typeface="Cambria Math" panose="02040503050406030204" pitchFamily="18" charset="0"/>
                           </a:rPr>
                           <m:t>𝑓</m:t>
                         </m:r>
                         <m:r>
-                          <a:rPr lang="en-GB" sz="1400" i="1" baseline="-25000">
+                          <a:rPr lang="en-GB" i="1" baseline="-25000">
                             <a:solidFill>
                               <a:schemeClr val="bg1">
                                 <a:lumMod val="50000"/>
@@ -6291,12 +6291,12 @@
                       </m:oMath>
                     </m:oMathPara>
                   </a14:m>
-                  <a:endParaRPr lang="en-US" sz="1400" dirty="0"/>
+                  <a:endParaRPr lang="en-US" dirty="0"/>
                 </a:p>
               </p:txBody>
             </p:sp>
           </mc:Choice>
-          <mc:Fallback xmlns="">
+          <mc:Fallback>
             <p:sp>
               <p:nvSpPr>
                 <p:cNvPr id="78" name="Rectangle 77">
@@ -6313,8 +6313,8 @@
               </p:nvSpPr>
               <p:spPr>
                 <a:xfrm>
-                  <a:off x="5494101" y="2484079"/>
-                  <a:ext cx="409406" cy="307777"/>
+                  <a:off x="5452538" y="2425888"/>
+                  <a:ext cx="474489" cy="369332"/>
                 </a:xfrm>
                 <a:prstGeom prst="rect">
                   <a:avLst/>
@@ -6322,7 +6322,7 @@
                 <a:blipFill>
                   <a:blip r:embed="rId7"/>
                   <a:stretch>
-                    <a:fillRect b="-5882"/>
+                    <a:fillRect b="-11475"/>
                   </a:stretch>
                 </a:blipFill>
               </p:spPr>
@@ -6341,8 +6341,8 @@
             </p:sp>
           </mc:Fallback>
         </mc:AlternateContent>
-        <mc:AlternateContent xmlns:mc="http://schemas.openxmlformats.org/markup-compatibility/2006" xmlns:a14="http://schemas.microsoft.com/office/drawing/2010/main">
-          <mc:Choice Requires="a14">
+        <mc:AlternateContent xmlns:mc="http://schemas.openxmlformats.org/markup-compatibility/2006">
+          <mc:Choice xmlns:a14="http://schemas.microsoft.com/office/drawing/2010/main" Requires="a14">
             <p:sp>
               <p:nvSpPr>
                 <p:cNvPr id="79" name="Rectangle 78">
@@ -6358,7 +6358,7 @@
               <p:spPr>
                 <a:xfrm>
                   <a:off x="5069482" y="3010116"/>
-                  <a:ext cx="392993" cy="307777"/>
+                  <a:ext cx="452752" cy="369332"/>
                 </a:xfrm>
                 <a:prstGeom prst="rect">
                   <a:avLst/>
@@ -6380,7 +6380,7 @@
                         <m:sSub>
                           <m:sSubPr>
                             <m:ctrlPr>
-                              <a:rPr lang="en-GB" sz="1400" i="1">
+                              <a:rPr lang="en-GB" i="1">
                                 <a:latin typeface="Cambria Math" panose="02040503050406030204" pitchFamily="18" charset="0"/>
                                 <a:ea typeface="Cambria Math" panose="02040503050406030204" pitchFamily="18" charset="0"/>
                               </a:rPr>
@@ -6388,7 +6388,7 @@
                           </m:sSubPr>
                           <m:e>
                             <m:r>
-                              <a:rPr lang="en-GB" sz="1400" i="1">
+                              <a:rPr lang="en-GB" i="1">
                                 <a:latin typeface="Cambria Math" panose="02040503050406030204" pitchFamily="18" charset="0"/>
                                 <a:ea typeface="Cambria Math" panose="02040503050406030204" pitchFamily="18" charset="0"/>
                               </a:rPr>
@@ -6397,7 +6397,7 @@
                           </m:e>
                           <m:sub>
                             <m:r>
-                              <a:rPr lang="en-GB" sz="1400" i="1">
+                              <a:rPr lang="en-GB" i="1">
                                 <a:solidFill>
                                   <a:srgbClr val="FF0000"/>
                                 </a:solidFill>
@@ -6411,12 +6411,12 @@
                       </m:oMath>
                     </m:oMathPara>
                   </a14:m>
-                  <a:endParaRPr lang="en-US" sz="1400" dirty="0"/>
+                  <a:endParaRPr lang="en-US" dirty="0"/>
                 </a:p>
               </p:txBody>
             </p:sp>
           </mc:Choice>
-          <mc:Fallback xmlns="">
+          <mc:Fallback>
             <p:sp>
               <p:nvSpPr>
                 <p:cNvPr id="79" name="Rectangle 78">
@@ -6434,7 +6434,7 @@
               <p:spPr>
                 <a:xfrm>
                   <a:off x="5069482" y="3010116"/>
-                  <a:ext cx="392993" cy="307777"/>
+                  <a:ext cx="452752" cy="369332"/>
                 </a:xfrm>
                 <a:prstGeom prst="rect">
                   <a:avLst/>
@@ -6442,7 +6442,7 @@
                 <a:blipFill>
                   <a:blip r:embed="rId8"/>
                   <a:stretch>
-                    <a:fillRect b="-8000"/>
+                    <a:fillRect b="-13333"/>
                   </a:stretch>
                 </a:blipFill>
               </p:spPr>
@@ -6461,8 +6461,8 @@
             </p:sp>
           </mc:Fallback>
         </mc:AlternateContent>
-        <mc:AlternateContent xmlns:mc="http://schemas.openxmlformats.org/markup-compatibility/2006" xmlns:a14="http://schemas.microsoft.com/office/drawing/2010/main">
-          <mc:Choice Requires="a14">
+        <mc:AlternateContent xmlns:mc="http://schemas.openxmlformats.org/markup-compatibility/2006">
+          <mc:Choice xmlns:a14="http://schemas.microsoft.com/office/drawing/2010/main" Requires="a14">
             <p:sp>
               <p:nvSpPr>
                 <p:cNvPr id="80" name="Rectangle 79">
@@ -6477,8 +6477,8 @@
               </p:nvSpPr>
               <p:spPr>
                 <a:xfrm>
-                  <a:off x="5026138" y="2213061"/>
-                  <a:ext cx="398442" cy="323037"/>
+                  <a:off x="5067703" y="2104992"/>
+                  <a:ext cx="459228" cy="388889"/>
                 </a:xfrm>
                 <a:prstGeom prst="rect">
                   <a:avLst/>
@@ -6500,7 +6500,7 @@
                         <m:sSub>
                           <m:sSubPr>
                             <m:ctrlPr>
-                              <a:rPr lang="en-GB" sz="1400" i="1">
+                              <a:rPr lang="en-GB" i="1">
                                 <a:latin typeface="Cambria Math" panose="02040503050406030204" pitchFamily="18" charset="0"/>
                                 <a:ea typeface="Cambria Math" panose="02040503050406030204" pitchFamily="18" charset="0"/>
                               </a:rPr>
@@ -6508,7 +6508,7 @@
                           </m:sSubPr>
                           <m:e>
                             <m:r>
-                              <a:rPr lang="en-GB" sz="1400" i="1">
+                              <a:rPr lang="en-GB" i="1">
                                 <a:latin typeface="Cambria Math" panose="02040503050406030204" pitchFamily="18" charset="0"/>
                                 <a:ea typeface="Cambria Math" panose="02040503050406030204" pitchFamily="18" charset="0"/>
                               </a:rPr>
@@ -6517,7 +6517,7 @@
                           </m:e>
                           <m:sub>
                             <m:r>
-                              <a:rPr lang="en-GB" sz="1400" i="1">
+                              <a:rPr lang="en-GB" i="1">
                                 <a:solidFill>
                                   <a:srgbClr val="AB7942"/>
                                 </a:solidFill>
@@ -6531,12 +6531,12 @@
                       </m:oMath>
                     </m:oMathPara>
                   </a14:m>
-                  <a:endParaRPr lang="en-US" sz="1400" dirty="0"/>
+                  <a:endParaRPr lang="en-US" dirty="0"/>
                 </a:p>
               </p:txBody>
             </p:sp>
           </mc:Choice>
-          <mc:Fallback xmlns="">
+          <mc:Fallback>
             <p:sp>
               <p:nvSpPr>
                 <p:cNvPr id="80" name="Rectangle 79">
@@ -6553,8 +6553,8 @@
               </p:nvSpPr>
               <p:spPr>
                 <a:xfrm>
-                  <a:off x="5026138" y="2213061"/>
-                  <a:ext cx="398442" cy="323037"/>
+                  <a:off x="5067703" y="2104992"/>
+                  <a:ext cx="459228" cy="388889"/>
                 </a:xfrm>
                 <a:prstGeom prst="rect">
                   <a:avLst/>
@@ -6562,7 +6562,7 @@
                 <a:blipFill>
                   <a:blip r:embed="rId9"/>
                   <a:stretch>
-                    <a:fillRect b="-3774"/>
+                    <a:fillRect b="-9375"/>
                   </a:stretch>
                 </a:blipFill>
               </p:spPr>
@@ -6700,8 +6700,8 @@
           <a:chExt cx="0" cy="0"/>
         </a:xfrm>
       </p:grpSpPr>
-      <mc:AlternateContent xmlns:mc="http://schemas.openxmlformats.org/markup-compatibility/2006">
-        <mc:Choice xmlns:a14="http://schemas.microsoft.com/office/drawing/2010/main" Requires="a14">
+      <mc:AlternateContent xmlns:mc="http://schemas.openxmlformats.org/markup-compatibility/2006" xmlns:a14="http://schemas.microsoft.com/office/drawing/2010/main">
+        <mc:Choice Requires="a14">
           <p:sp>
             <p:nvSpPr>
               <p:cNvPr id="4" name="Rounded Rectangle 3">
@@ -6811,7 +6811,7 @@
             </p:txBody>
           </p:sp>
         </mc:Choice>
-        <mc:Fallback>
+        <mc:Fallback xmlns="">
           <p:sp>
             <p:nvSpPr>
               <p:cNvPr id="4" name="Rounded Rectangle 3">
@@ -6861,8 +6861,8 @@
           </p:sp>
         </mc:Fallback>
       </mc:AlternateContent>
-      <mc:AlternateContent xmlns:mc="http://schemas.openxmlformats.org/markup-compatibility/2006">
-        <mc:Choice xmlns:a14="http://schemas.microsoft.com/office/drawing/2010/main" Requires="a14">
+      <mc:AlternateContent xmlns:mc="http://schemas.openxmlformats.org/markup-compatibility/2006" xmlns:a14="http://schemas.microsoft.com/office/drawing/2010/main">
+        <mc:Choice Requires="a14">
           <p:sp>
             <p:nvSpPr>
               <p:cNvPr id="10" name="Rounded Rectangle 9">
@@ -7265,7 +7265,7 @@
             </p:txBody>
           </p:sp>
         </mc:Choice>
-        <mc:Fallback>
+        <mc:Fallback xmlns="">
           <p:sp>
             <p:nvSpPr>
               <p:cNvPr id="10" name="Rounded Rectangle 9">
@@ -7316,8 +7316,8 @@
           </p:sp>
         </mc:Fallback>
       </mc:AlternateContent>
-      <mc:AlternateContent xmlns:mc="http://schemas.openxmlformats.org/markup-compatibility/2006">
-        <mc:Choice xmlns:a14="http://schemas.microsoft.com/office/drawing/2010/main" Requires="a14">
+      <mc:AlternateContent xmlns:mc="http://schemas.openxmlformats.org/markup-compatibility/2006" xmlns:a14="http://schemas.microsoft.com/office/drawing/2010/main">
+        <mc:Choice Requires="a14">
           <p:sp>
             <p:nvSpPr>
               <p:cNvPr id="11" name="Rounded Rectangle 10">
@@ -7439,7 +7439,7 @@
             </p:txBody>
           </p:sp>
         </mc:Choice>
-        <mc:Fallback>
+        <mc:Fallback xmlns="">
           <p:sp>
             <p:nvSpPr>
               <p:cNvPr id="11" name="Rounded Rectangle 10">
@@ -7491,8 +7491,8 @@
           </p:sp>
         </mc:Fallback>
       </mc:AlternateContent>
-      <mc:AlternateContent xmlns:mc="http://schemas.openxmlformats.org/markup-compatibility/2006">
-        <mc:Choice xmlns:a14="http://schemas.microsoft.com/office/drawing/2010/main" Requires="a14">
+      <mc:AlternateContent xmlns:mc="http://schemas.openxmlformats.org/markup-compatibility/2006" xmlns:a14="http://schemas.microsoft.com/office/drawing/2010/main">
+        <mc:Choice Requires="a14">
           <p:sp>
             <p:nvSpPr>
               <p:cNvPr id="12" name="Rounded Rectangle 11">
@@ -7600,7 +7600,7 @@
             </p:txBody>
           </p:sp>
         </mc:Choice>
-        <mc:Fallback>
+        <mc:Fallback xmlns="">
           <p:sp>
             <p:nvSpPr>
               <p:cNvPr id="12" name="Rounded Rectangle 11">
@@ -7651,8 +7651,8 @@
           </p:sp>
         </mc:Fallback>
       </mc:AlternateContent>
-      <mc:AlternateContent xmlns:mc="http://schemas.openxmlformats.org/markup-compatibility/2006">
-        <mc:Choice xmlns:a14="http://schemas.microsoft.com/office/drawing/2010/main" Requires="a14">
+      <mc:AlternateContent xmlns:mc="http://schemas.openxmlformats.org/markup-compatibility/2006" xmlns:a14="http://schemas.microsoft.com/office/drawing/2010/main">
+        <mc:Choice Requires="a14">
           <p:sp>
             <p:nvSpPr>
               <p:cNvPr id="13" name="Rounded Rectangle 12">
@@ -7749,7 +7749,7 @@
             </p:txBody>
           </p:sp>
         </mc:Choice>
-        <mc:Fallback>
+        <mc:Fallback xmlns="">
           <p:sp>
             <p:nvSpPr>
               <p:cNvPr id="13" name="Rounded Rectangle 12">
@@ -7843,8 +7843,8 @@
           </a:p>
         </p:txBody>
       </p:sp>
-      <mc:AlternateContent xmlns:mc="http://schemas.openxmlformats.org/markup-compatibility/2006">
-        <mc:Choice xmlns:a14="http://schemas.microsoft.com/office/drawing/2010/main" Requires="a14">
+      <mc:AlternateContent xmlns:mc="http://schemas.openxmlformats.org/markup-compatibility/2006" xmlns:a14="http://schemas.microsoft.com/office/drawing/2010/main">
+        <mc:Choice Requires="a14">
           <p:sp>
             <p:nvSpPr>
               <p:cNvPr id="15" name="TextBox 14">
@@ -7998,7 +7998,7 @@
             </p:txBody>
           </p:sp>
         </mc:Choice>
-        <mc:Fallback>
+        <mc:Fallback xmlns="">
           <p:sp>
             <p:nvSpPr>
               <p:cNvPr id="15" name="TextBox 14">
@@ -8220,8 +8220,8 @@
           </a:p>
         </p:txBody>
       </p:sp>
-      <mc:AlternateContent xmlns:mc="http://schemas.openxmlformats.org/markup-compatibility/2006">
-        <mc:Choice xmlns:a14="http://schemas.microsoft.com/office/drawing/2010/main" Requires="a14">
+      <mc:AlternateContent xmlns:mc="http://schemas.openxmlformats.org/markup-compatibility/2006" xmlns:a14="http://schemas.microsoft.com/office/drawing/2010/main">
+        <mc:Choice Requires="a14">
           <p:sp>
             <p:nvSpPr>
               <p:cNvPr id="18" name="TextBox 17">
@@ -8574,7 +8574,7 @@
             </p:txBody>
           </p:sp>
         </mc:Choice>
-        <mc:Fallback>
+        <mc:Fallback xmlns="">
           <p:sp>
             <p:nvSpPr>
               <p:cNvPr id="18" name="TextBox 17">
@@ -8619,8 +8619,8 @@
           </p:sp>
         </mc:Fallback>
       </mc:AlternateContent>
-      <mc:AlternateContent xmlns:mc="http://schemas.openxmlformats.org/markup-compatibility/2006">
-        <mc:Choice xmlns:a14="http://schemas.microsoft.com/office/drawing/2010/main" Requires="a14">
+      <mc:AlternateContent xmlns:mc="http://schemas.openxmlformats.org/markup-compatibility/2006" xmlns:a14="http://schemas.microsoft.com/office/drawing/2010/main">
+        <mc:Choice Requires="a14">
           <p:sp>
             <p:nvSpPr>
               <p:cNvPr id="19" name="TextBox 13">
@@ -8938,7 +8938,7 @@
             </p:txBody>
           </p:sp>
         </mc:Choice>
-        <mc:Fallback>
+        <mc:Fallback xmlns="">
           <p:sp>
             <p:nvSpPr>
               <p:cNvPr id="19" name="TextBox 13">
@@ -9115,8 +9115,8 @@
           </a:p>
         </p:txBody>
       </p:sp>
-      <mc:AlternateContent xmlns:mc="http://schemas.openxmlformats.org/markup-compatibility/2006">
-        <mc:Choice xmlns:a14="http://schemas.microsoft.com/office/drawing/2010/main" Requires="a14">
+      <mc:AlternateContent xmlns:mc="http://schemas.openxmlformats.org/markup-compatibility/2006" xmlns:a14="http://schemas.microsoft.com/office/drawing/2010/main">
+        <mc:Choice Requires="a14">
           <p:sp>
             <p:nvSpPr>
               <p:cNvPr id="21" name="Rounded Rectangle 9">
@@ -9219,7 +9219,7 @@
             </p:txBody>
           </p:sp>
         </mc:Choice>
-        <mc:Fallback>
+        <mc:Fallback xmlns="">
           <p:sp>
             <p:nvSpPr>
               <p:cNvPr id="21" name="Rounded Rectangle 9">
@@ -9308,37 +9308,7 @@
                 <a:latin typeface="Arial" panose="020B0604020202020204" pitchFamily="34" charset="0"/>
                 <a:cs typeface="Arial" panose="020B0604020202020204" pitchFamily="34" charset="0"/>
               </a:rPr>
-              <a:t>Imposed </a:t>
-            </a:r>
-            <a:r>
-              <a:rPr lang="en-US" sz="1300" i="1" dirty="0" smtClean="0">
-                <a:solidFill>
-                  <a:prstClr val="black"/>
-                </a:solidFill>
-                <a:latin typeface="Arial" panose="020B0604020202020204" pitchFamily="34" charset="0"/>
-                <a:cs typeface="Arial" panose="020B0604020202020204" pitchFamily="34" charset="0"/>
-              </a:rPr>
-              <a:t>allocation </a:t>
-            </a:r>
-            <a:r>
-              <a:rPr lang="en-US" sz="1300" i="1" dirty="0" smtClean="0">
-                <a:solidFill>
-                  <a:prstClr val="black"/>
-                </a:solidFill>
-                <a:latin typeface="Arial" panose="020B0604020202020204" pitchFamily="34" charset="0"/>
-                <a:cs typeface="Arial" panose="020B0604020202020204" pitchFamily="34" charset="0"/>
-              </a:rPr>
-              <a:t>to useless </a:t>
-            </a:r>
-            <a:r>
-              <a:rPr lang="en-US" sz="1300" i="1" dirty="0" smtClean="0">
-                <a:solidFill>
-                  <a:prstClr val="black"/>
-                </a:solidFill>
-                <a:latin typeface="Arial" panose="020B0604020202020204" pitchFamily="34" charset="0"/>
-                <a:cs typeface="Arial" panose="020B0604020202020204" pitchFamily="34" charset="0"/>
-              </a:rPr>
-              <a:t>proteins</a:t>
+              <a:t>Imposed allocation to useless proteins</a:t>
             </a:r>
           </a:p>
         </p:txBody>
